--- a/Vivino_Presentation.pptx
+++ b/Vivino_Presentation.pptx
@@ -5,10 +5,10 @@
     <p:sldMasterId id="2147483648" r:id="rId1"/>
   </p:sldMasterIdLst>
   <p:notesMasterIdLst>
-    <p:notesMasterId r:id="rId16"/>
+    <p:notesMasterId r:id="rId23"/>
   </p:notesMasterIdLst>
   <p:handoutMasterIdLst>
-    <p:handoutMasterId r:id="rId17"/>
+    <p:handoutMasterId r:id="rId24"/>
   </p:handoutMasterIdLst>
   <p:sldIdLst>
     <p:sldId id="256" r:id="rId2"/>
@@ -19,12 +19,19 @@
     <p:sldId id="736" r:id="rId7"/>
     <p:sldId id="737" r:id="rId8"/>
     <p:sldId id="738" r:id="rId9"/>
-    <p:sldId id="739" r:id="rId10"/>
-    <p:sldId id="740" r:id="rId11"/>
-    <p:sldId id="741" r:id="rId12"/>
-    <p:sldId id="742" r:id="rId13"/>
-    <p:sldId id="733" r:id="rId14"/>
-    <p:sldId id="735" r:id="rId15"/>
+    <p:sldId id="743" r:id="rId10"/>
+    <p:sldId id="739" r:id="rId11"/>
+    <p:sldId id="744" r:id="rId12"/>
+    <p:sldId id="740" r:id="rId13"/>
+    <p:sldId id="745" r:id="rId14"/>
+    <p:sldId id="741" r:id="rId15"/>
+    <p:sldId id="746" r:id="rId16"/>
+    <p:sldId id="742" r:id="rId17"/>
+    <p:sldId id="747" r:id="rId18"/>
+    <p:sldId id="749" r:id="rId19"/>
+    <p:sldId id="733" r:id="rId20"/>
+    <p:sldId id="748" r:id="rId21"/>
+    <p:sldId id="735" r:id="rId22"/>
   </p:sldIdLst>
   <p:sldSz cx="12192000" cy="6858000"/>
   <p:notesSz cx="6858000" cy="9144000"/>
@@ -228,7 +235,7 @@
           <a:p>
             <a:fld id="{306B5594-B9FA-45DD-AE77-2DE8B02D3524}" type="datetimeFigureOut">
               <a:rPr lang="en-ID" smtClean="0"/>
-              <a:t>12/05/2021</a:t>
+              <a:t>13/05/2021</a:t>
             </a:fld>
             <a:endParaRPr lang="en-ID"/>
           </a:p>
@@ -405,7 +412,7 @@
           <a:p>
             <a:fld id="{27CBB685-20D4-4B48-A3F7-FA349DAE514C}" type="datetimeFigureOut">
               <a:rPr lang="en-ID" smtClean="0"/>
-              <a:t>12/05/2021</a:t>
+              <a:t>13/05/2021</a:t>
             </a:fld>
             <a:endParaRPr lang="en-ID"/>
           </a:p>
@@ -17495,7 +17502,7 @@
                 <a:ea typeface="Lato Black" panose="020F0502020204030203" pitchFamily="34" charset="0"/>
                 <a:cs typeface="Lato Black" panose="020F0502020204030203" pitchFamily="34" charset="0"/>
               </a:rPr>
-              <a:t>Smooth-Tannic Note</a:t>
+              <a:t>Light-Bold Note</a:t>
             </a:r>
           </a:p>
         </p:txBody>
@@ -17515,7 +17522,7 @@
         <p:spPr>
           <a:xfrm>
             <a:off x="8756187" y="1231867"/>
-            <a:ext cx="2764348" cy="784830"/>
+            <a:ext cx="2764348" cy="1079783"/>
           </a:xfrm>
           <a:prstGeom prst="rect">
             <a:avLst/>
@@ -17540,17 +17547,34 @@
                 <a:ea typeface="Lato Black" panose="020F0502020204030203" pitchFamily="34" charset="0"/>
                 <a:cs typeface="Lato Black" panose="020F0502020204030203" pitchFamily="34" charset="0"/>
               </a:rPr>
-              <a:t>The smooth-tannic note is more spread out with a little skewness towards tannic.</a:t>
+              <a:t>There are a lot more wine that are bold.</a:t>
+            </a:r>
+          </a:p>
+          <a:p>
+            <a:pPr marL="171450" indent="-171450">
+              <a:spcAft>
+                <a:spcPts val="500"/>
+              </a:spcAft>
+              <a:buFont typeface="Arial" panose="020B0604020202020204" pitchFamily="34" charset="0"/>
+              <a:buChar char="•"/>
+            </a:pPr>
+            <a:r>
+              <a:rPr lang="en-ID" sz="1500" dirty="0">
+                <a:latin typeface="Lato "/>
+                <a:ea typeface="Lato Black" panose="020F0502020204030203" pitchFamily="34" charset="0"/>
+                <a:cs typeface="Lato Black" panose="020F0502020204030203" pitchFamily="34" charset="0"/>
+              </a:rPr>
+              <a:t>Bolder wines are more expensive.</a:t>
             </a:r>
           </a:p>
         </p:txBody>
       </p:sp>
       <p:pic>
         <p:nvPicPr>
-          <p:cNvPr id="4" name="Picture 3" descr="Chart&#10;&#10;Description automatically generated">
+          <p:cNvPr id="3" name="Picture 2" descr="Chart, scatter chart&#10;&#10;Description automatically generated">
             <a:extLst>
               <a:ext uri="{FF2B5EF4-FFF2-40B4-BE49-F238E27FC236}">
-                <a16:creationId xmlns:a16="http://schemas.microsoft.com/office/drawing/2014/main" id="{DE22DB86-CF7B-44F0-B8D7-6569BCBF8B24}"/>
+                <a16:creationId xmlns:a16="http://schemas.microsoft.com/office/drawing/2014/main" id="{58C2E8A5-A23D-4133-8629-0AA01181B7F7}"/>
               </a:ext>
             </a:extLst>
           </p:cNvPr>
@@ -17573,8 +17597,8 @@
         </p:blipFill>
         <p:spPr>
           <a:xfrm>
-            <a:off x="327352" y="1470395"/>
-            <a:ext cx="6141541" cy="5177122"/>
+            <a:off x="327354" y="1470395"/>
+            <a:ext cx="6101842" cy="5177122"/>
           </a:xfrm>
           <a:prstGeom prst="rect">
             <a:avLst/>
@@ -17583,10 +17607,10 @@
       </p:pic>
       <p:pic>
         <p:nvPicPr>
-          <p:cNvPr id="6" name="Picture 5" descr="Chart, scatter chart&#10;&#10;Description automatically generated">
+          <p:cNvPr id="4" name="Picture 3" descr="Chart, scatter chart&#10;&#10;Description automatically generated">
             <a:extLst>
               <a:ext uri="{FF2B5EF4-FFF2-40B4-BE49-F238E27FC236}">
-                <a16:creationId xmlns:a16="http://schemas.microsoft.com/office/drawing/2014/main" id="{3D270D9E-D944-4556-8AA4-246853C3051C}"/>
+                <a16:creationId xmlns:a16="http://schemas.microsoft.com/office/drawing/2014/main" id="{94F7A90C-DD2C-434D-BDC5-AB36DE1C4AAF}"/>
               </a:ext>
             </a:extLst>
           </p:cNvPr>
@@ -17609,8 +17633,8 @@
         </p:blipFill>
         <p:spPr>
           <a:xfrm>
-            <a:off x="6985368" y="3044757"/>
-            <a:ext cx="4879278" cy="3624607"/>
+            <a:off x="6974541" y="3036714"/>
+            <a:ext cx="4890105" cy="3632649"/>
           </a:xfrm>
           <a:prstGeom prst="rect">
             <a:avLst/>
@@ -17620,7 +17644,7 @@
     </p:spTree>
     <p:extLst>
       <p:ext uri="{BB962C8B-B14F-4D97-AF65-F5344CB8AC3E}">
-        <p14:creationId xmlns:p14="http://schemas.microsoft.com/office/powerpoint/2010/main" val="3362522899"/>
+        <p14:creationId xmlns:p14="http://schemas.microsoft.com/office/powerpoint/2010/main" val="2818250913"/>
       </p:ext>
     </p:extLst>
   </p:cSld>
@@ -17757,8 +17781,8 @@
         </p:nvSpPr>
         <p:spPr>
           <a:xfrm>
-            <a:off x="327355" y="993340"/>
-            <a:ext cx="2970322" cy="477054"/>
+            <a:off x="327354" y="993340"/>
+            <a:ext cx="5571421" cy="477054"/>
           </a:xfrm>
           <a:prstGeom prst="rect">
             <a:avLst/>
@@ -17779,17 +17803,17 @@
                 <a:ea typeface="Lato Black" panose="020F0502020204030203" pitchFamily="34" charset="0"/>
                 <a:cs typeface="Lato Black" panose="020F0502020204030203" pitchFamily="34" charset="0"/>
               </a:rPr>
-              <a:t>Dry-Sweet Note</a:t>
+              <a:t>Light-Bold Note (Best Value Wines)</a:t>
             </a:r>
           </a:p>
         </p:txBody>
       </p:sp>
       <p:sp>
         <p:nvSpPr>
-          <p:cNvPr id="624" name="Rectangle 623">
+          <p:cNvPr id="10" name="Rectangle 9">
             <a:extLst>
               <a:ext uri="{FF2B5EF4-FFF2-40B4-BE49-F238E27FC236}">
-                <a16:creationId xmlns:a16="http://schemas.microsoft.com/office/drawing/2014/main" id="{E0B83E55-5B3E-4365-87CA-71AA1529BAF7}"/>
+                <a16:creationId xmlns:a16="http://schemas.microsoft.com/office/drawing/2014/main" id="{102F86A7-8A23-445E-B097-FE558222F592}"/>
               </a:ext>
             </a:extLst>
           </p:cNvPr>
@@ -17798,8 +17822,8 @@
         </p:nvSpPr>
         <p:spPr>
           <a:xfrm>
-            <a:off x="8756187" y="1231867"/>
-            <a:ext cx="2764348" cy="553998"/>
+            <a:off x="8747222" y="1506386"/>
+            <a:ext cx="2764348" cy="1079783"/>
           </a:xfrm>
           <a:prstGeom prst="rect">
             <a:avLst/>
@@ -17824,17 +17848,34 @@
                 <a:ea typeface="Lato Black" panose="020F0502020204030203" pitchFamily="34" charset="0"/>
                 <a:cs typeface="Lato Black" panose="020F0502020204030203" pitchFamily="34" charset="0"/>
               </a:rPr>
-              <a:t>Red wines are generally dry than sweet.</a:t>
+              <a:t>From the best value wines, people who are looking for best wine should fine:</a:t>
+            </a:r>
+          </a:p>
+          <a:p>
+            <a:pPr marL="628650" lvl="1" indent="-171450">
+              <a:spcAft>
+                <a:spcPts val="500"/>
+              </a:spcAft>
+              <a:buFont typeface="Arial" panose="020B0604020202020204" pitchFamily="34" charset="0"/>
+              <a:buChar char="•"/>
+            </a:pPr>
+            <a:r>
+              <a:rPr lang="en-ID" sz="1500" dirty="0">
+                <a:latin typeface="Lato "/>
+                <a:ea typeface="Lato Black" panose="020F0502020204030203" pitchFamily="34" charset="0"/>
+                <a:cs typeface="Lato Black" panose="020F0502020204030203" pitchFamily="34" charset="0"/>
+              </a:rPr>
+              <a:t>Light-bold scale &gt; 80</a:t>
             </a:r>
           </a:p>
         </p:txBody>
       </p:sp>
       <p:pic>
         <p:nvPicPr>
-          <p:cNvPr id="3" name="Picture 2" descr="Chart, scatter chart&#10;&#10;Description automatically generated">
+          <p:cNvPr id="6" name="Picture 5" descr="Chart, scatter chart&#10;&#10;Description automatically generated">
             <a:extLst>
               <a:ext uri="{FF2B5EF4-FFF2-40B4-BE49-F238E27FC236}">
-                <a16:creationId xmlns:a16="http://schemas.microsoft.com/office/drawing/2014/main" id="{CA19B181-F7D7-4260-A3A0-33745DA59C9C}"/>
+                <a16:creationId xmlns:a16="http://schemas.microsoft.com/office/drawing/2014/main" id="{008725AA-6926-4C1A-8EB1-9DB60D008811}"/>
               </a:ext>
             </a:extLst>
           </p:cNvPr>
@@ -17857,44 +17898,8 @@
         </p:blipFill>
         <p:spPr>
           <a:xfrm>
-            <a:off x="327352" y="1470394"/>
-            <a:ext cx="6112359" cy="5177123"/>
-          </a:xfrm>
-          <a:prstGeom prst="rect">
-            <a:avLst/>
-          </a:prstGeom>
-        </p:spPr>
-      </p:pic>
-      <p:pic>
-        <p:nvPicPr>
-          <p:cNvPr id="7" name="Picture 6" descr="Chart, scatter chart&#10;&#10;Description automatically generated">
-            <a:extLst>
-              <a:ext uri="{FF2B5EF4-FFF2-40B4-BE49-F238E27FC236}">
-                <a16:creationId xmlns:a16="http://schemas.microsoft.com/office/drawing/2014/main" id="{7FC15FF1-071C-44FB-AF6F-E06DD12C4CDD}"/>
-              </a:ext>
-            </a:extLst>
-          </p:cNvPr>
-          <p:cNvPicPr>
-            <a:picLocks noChangeAspect="1"/>
-          </p:cNvPicPr>
-          <p:nvPr/>
-        </p:nvPicPr>
-        <p:blipFill>
-          <a:blip r:embed="rId3">
-            <a:extLst>
-              <a:ext uri="{28A0092B-C50C-407E-A947-70E740481C1C}">
-                <a14:useLocalDpi xmlns:a14="http://schemas.microsoft.com/office/drawing/2010/main" val="0"/>
-              </a:ext>
-            </a:extLst>
-          </a:blip>
-          <a:stretch>
-            <a:fillRect/>
-          </a:stretch>
-        </p:blipFill>
-        <p:spPr>
-          <a:xfrm>
-            <a:off x="6935821" y="2964373"/>
-            <a:ext cx="4938436" cy="3668553"/>
+            <a:off x="327353" y="1506386"/>
+            <a:ext cx="5124875" cy="5162978"/>
           </a:xfrm>
           <a:prstGeom prst="rect">
             <a:avLst/>
@@ -17904,7 +17909,7 @@
     </p:spTree>
     <p:extLst>
       <p:ext uri="{BB962C8B-B14F-4D97-AF65-F5344CB8AC3E}">
-        <p14:creationId xmlns:p14="http://schemas.microsoft.com/office/powerpoint/2010/main" val="2257471925"/>
+        <p14:creationId xmlns:p14="http://schemas.microsoft.com/office/powerpoint/2010/main" val="2118848180"/>
       </p:ext>
     </p:extLst>
   </p:cSld>
@@ -18063,7 +18068,7 @@
                 <a:ea typeface="Lato Black" panose="020F0502020204030203" pitchFamily="34" charset="0"/>
                 <a:cs typeface="Lato Black" panose="020F0502020204030203" pitchFamily="34" charset="0"/>
               </a:rPr>
-              <a:t>Soft-Acidic Note</a:t>
+              <a:t>Smooth-Tannic Note</a:t>
             </a:r>
           </a:p>
         </p:txBody>
@@ -18108,7 +18113,7 @@
                 <a:ea typeface="Lato Black" panose="020F0502020204030203" pitchFamily="34" charset="0"/>
                 <a:cs typeface="Lato Black" panose="020F0502020204030203" pitchFamily="34" charset="0"/>
               </a:rPr>
-              <a:t>The soft-acidic note is more spread out but still skewed towards acidic.</a:t>
+              <a:t>The smooth-tannic note is more spread out with a little skewness towards tannic.</a:t>
             </a:r>
           </a:p>
         </p:txBody>
@@ -18118,7 +18123,7 @@
           <p:cNvPr id="4" name="Picture 3" descr="Chart&#10;&#10;Description automatically generated">
             <a:extLst>
               <a:ext uri="{FF2B5EF4-FFF2-40B4-BE49-F238E27FC236}">
-                <a16:creationId xmlns:a16="http://schemas.microsoft.com/office/drawing/2014/main" id="{51E4B3DD-9FCE-4CEC-BCF0-8CDCC5DCA363}"/>
+                <a16:creationId xmlns:a16="http://schemas.microsoft.com/office/drawing/2014/main" id="{DE22DB86-CF7B-44F0-B8D7-6569BCBF8B24}"/>
               </a:ext>
             </a:extLst>
           </p:cNvPr>
@@ -18141,8 +18146,8 @@
         </p:blipFill>
         <p:spPr>
           <a:xfrm>
-            <a:off x="327352" y="1470394"/>
-            <a:ext cx="6092903" cy="5176217"/>
+            <a:off x="327352" y="1470395"/>
+            <a:ext cx="6141541" cy="5177122"/>
           </a:xfrm>
           <a:prstGeom prst="rect">
             <a:avLst/>
@@ -18151,10 +18156,10 @@
       </p:pic>
       <p:pic>
         <p:nvPicPr>
-          <p:cNvPr id="6" name="Picture 5" descr="Chart, scatter chart&#10;&#10;Description automatically generated">
+          <p:cNvPr id="3" name="Picture 2" descr="Chart, scatter chart&#10;&#10;Description automatically generated">
             <a:extLst>
               <a:ext uri="{FF2B5EF4-FFF2-40B4-BE49-F238E27FC236}">
-                <a16:creationId xmlns:a16="http://schemas.microsoft.com/office/drawing/2014/main" id="{7E89DC84-6C93-4030-9549-81D5B3CD2781}"/>
+                <a16:creationId xmlns:a16="http://schemas.microsoft.com/office/drawing/2014/main" id="{0C3C6665-991B-4B73-962C-24D970662DB5}"/>
               </a:ext>
             </a:extLst>
           </p:cNvPr>
@@ -18177,8 +18182,8 @@
         </p:blipFill>
         <p:spPr>
           <a:xfrm>
-            <a:off x="6945550" y="2971600"/>
-            <a:ext cx="4928708" cy="3661326"/>
+            <a:off x="6992471" y="3028187"/>
+            <a:ext cx="4872175" cy="3619330"/>
           </a:xfrm>
           <a:prstGeom prst="rect">
             <a:avLst/>
@@ -18188,7 +18193,7 @@
     </p:spTree>
     <p:extLst>
       <p:ext uri="{BB962C8B-B14F-4D97-AF65-F5344CB8AC3E}">
-        <p14:creationId xmlns:p14="http://schemas.microsoft.com/office/powerpoint/2010/main" val="811851511"/>
+        <p14:creationId xmlns:p14="http://schemas.microsoft.com/office/powerpoint/2010/main" val="3362522899"/>
       </p:ext>
     </p:extLst>
   </p:cSld>
@@ -18217,10 +18222,10 @@
       </p:grpSpPr>
       <p:sp>
         <p:nvSpPr>
-          <p:cNvPr id="12" name="Flowchart: Process 11">
+          <p:cNvPr id="621" name="Flowchart: Process 620">
             <a:extLst>
               <a:ext uri="{FF2B5EF4-FFF2-40B4-BE49-F238E27FC236}">
-                <a16:creationId xmlns:a16="http://schemas.microsoft.com/office/drawing/2014/main" id="{552ADCF6-4345-41BB-BFD6-E8A08A0B4906}"/>
+                <a16:creationId xmlns:a16="http://schemas.microsoft.com/office/drawing/2014/main" id="{4205B030-9107-44C5-BC16-389A34351ABC}"/>
               </a:ext>
             </a:extLst>
           </p:cNvPr>
@@ -18229,12 +18234,20 @@
         </p:nvSpPr>
         <p:spPr>
           <a:xfrm>
-            <a:off x="404086" y="0"/>
-            <a:ext cx="3215414" cy="6874232"/>
+            <a:off x="-57791" y="2716"/>
+            <a:ext cx="8679482" cy="6855283"/>
           </a:xfrm>
           <a:prstGeom prst="flowChartProcess">
             <a:avLst/>
           </a:prstGeom>
+          <a:solidFill>
+            <a:schemeClr val="accent1">
+              <a:alpha val="50000"/>
+            </a:schemeClr>
+          </a:solidFill>
+          <a:ln>
+            <a:noFill/>
+          </a:ln>
         </p:spPr>
         <p:style>
           <a:lnRef idx="2">
@@ -18263,10 +18276,52 @@
       </p:sp>
       <p:sp>
         <p:nvSpPr>
-          <p:cNvPr id="13" name="Flowchart: Process 12">
+          <p:cNvPr id="622" name="TextBox 621">
             <a:extLst>
               <a:ext uri="{FF2B5EF4-FFF2-40B4-BE49-F238E27FC236}">
-                <a16:creationId xmlns:a16="http://schemas.microsoft.com/office/drawing/2014/main" id="{C1C640CB-DCD9-4E44-A5FC-D394962D263D}"/>
+                <a16:creationId xmlns:a16="http://schemas.microsoft.com/office/drawing/2014/main" id="{08DAF66E-FF89-4541-9769-5CE354B52280}"/>
+              </a:ext>
+            </a:extLst>
+          </p:cNvPr>
+          <p:cNvSpPr txBox="1"/>
+          <p:nvPr/>
+        </p:nvSpPr>
+        <p:spPr>
+          <a:xfrm>
+            <a:off x="278595" y="188636"/>
+            <a:ext cx="7863456" cy="923330"/>
+          </a:xfrm>
+          <a:prstGeom prst="rect">
+            <a:avLst/>
+          </a:prstGeom>
+          <a:noFill/>
+        </p:spPr>
+        <p:txBody>
+          <a:bodyPr wrap="square" rtlCol="0">
+            <a:spAutoFit/>
+          </a:bodyPr>
+          <a:lstStyle/>
+          <a:p>
+            <a:r>
+              <a:rPr lang="en-ID" sz="5400" dirty="0">
+                <a:solidFill>
+                  <a:schemeClr val="bg2"/>
+                </a:solidFill>
+                <a:latin typeface="Garamond" panose="02020404030301010803" pitchFamily="18" charset="0"/>
+                <a:ea typeface="Lato" panose="020F0502020204030203" pitchFamily="34" charset="0"/>
+                <a:cs typeface="Lato" panose="020F0502020204030203" pitchFamily="34" charset="0"/>
+              </a:rPr>
+              <a:t>Data Analysis</a:t>
+            </a:r>
+          </a:p>
+        </p:txBody>
+      </p:sp>
+      <p:sp>
+        <p:nvSpPr>
+          <p:cNvPr id="623" name="Rectangle 622">
+            <a:extLst>
+              <a:ext uri="{FF2B5EF4-FFF2-40B4-BE49-F238E27FC236}">
+                <a16:creationId xmlns:a16="http://schemas.microsoft.com/office/drawing/2014/main" id="{E219A4C3-61E8-4403-8CA4-AC80174485F8}"/>
               </a:ext>
             </a:extLst>
           </p:cNvPr>
@@ -18275,58 +18330,8 @@
         </p:nvSpPr>
         <p:spPr>
           <a:xfrm>
-            <a:off x="0" y="3428998"/>
-            <a:ext cx="12192000" cy="3028954"/>
-          </a:xfrm>
-          <a:prstGeom prst="flowChartProcess">
-            <a:avLst/>
-          </a:prstGeom>
-          <a:solidFill>
-            <a:srgbClr val="AD122D"/>
-          </a:solidFill>
-          <a:ln/>
-        </p:spPr>
-        <p:style>
-          <a:lnRef idx="2">
-            <a:schemeClr val="dk1">
-              <a:shade val="50000"/>
-            </a:schemeClr>
-          </a:lnRef>
-          <a:fillRef idx="1">
-            <a:schemeClr val="dk1"/>
-          </a:fillRef>
-          <a:effectRef idx="0">
-            <a:schemeClr val="dk1"/>
-          </a:effectRef>
-          <a:fontRef idx="minor">
-            <a:schemeClr val="lt1"/>
-          </a:fontRef>
-        </p:style>
-        <p:txBody>
-          <a:bodyPr rtlCol="0" anchor="ctr"/>
-          <a:lstStyle/>
-          <a:p>
-            <a:pPr algn="ctr"/>
-            <a:endParaRPr lang="en-ID"/>
-          </a:p>
-        </p:txBody>
-      </p:sp>
-      <p:sp>
-        <p:nvSpPr>
-          <p:cNvPr id="14" name="Rectangle 13">
-            <a:extLst>
-              <a:ext uri="{FF2B5EF4-FFF2-40B4-BE49-F238E27FC236}">
-                <a16:creationId xmlns:a16="http://schemas.microsoft.com/office/drawing/2014/main" id="{BEC37CC8-91E3-4DB5-A30B-582D8F917B34}"/>
-              </a:ext>
-            </a:extLst>
-          </p:cNvPr>
-          <p:cNvSpPr/>
-          <p:nvPr/>
-        </p:nvSpPr>
-        <p:spPr>
-          <a:xfrm>
-            <a:off x="5164346" y="3738196"/>
-            <a:ext cx="5129821" cy="430887"/>
+            <a:off x="327354" y="993340"/>
+            <a:ext cx="5571421" cy="477054"/>
           </a:xfrm>
           <a:prstGeom prst="rect">
             <a:avLst/>
@@ -18338,38 +18343,26 @@
           </a:bodyPr>
           <a:lstStyle/>
           <a:p>
-            <a:pPr algn="just"/>
             <a:r>
-              <a:rPr lang="en-ID" sz="1100" dirty="0">
+              <a:rPr lang="en-ID" sz="2500" dirty="0">
                 <a:solidFill>
                   <a:schemeClr val="bg2"/>
                 </a:solidFill>
-                <a:latin typeface="Lato "/>
+                <a:latin typeface="Garamond" panose="02020404030301010803" pitchFamily="18" charset="0"/>
                 <a:ea typeface="Lato Black" panose="020F0502020204030203" pitchFamily="34" charset="0"/>
                 <a:cs typeface="Lato Black" panose="020F0502020204030203" pitchFamily="34" charset="0"/>
               </a:rPr>
-              <a:t>Conclusion</a:t>
+              <a:t>Smooth-Tannic Note (Best Value Wines)</a:t>
             </a:r>
-          </a:p>
-          <a:p>
-            <a:pPr algn="just"/>
-            <a:endParaRPr lang="en-ID" sz="1100" dirty="0">
-              <a:solidFill>
-                <a:schemeClr val="bg2"/>
-              </a:solidFill>
-              <a:latin typeface="Lato "/>
-              <a:ea typeface="Lato Black" panose="020F0502020204030203" pitchFamily="34" charset="0"/>
-              <a:cs typeface="Lato Black" panose="020F0502020204030203" pitchFamily="34" charset="0"/>
-            </a:endParaRPr>
           </a:p>
         </p:txBody>
       </p:sp>
       <p:sp>
         <p:nvSpPr>
-          <p:cNvPr id="15" name="Rectangle 14">
+          <p:cNvPr id="10" name="Rectangle 9">
             <a:extLst>
               <a:ext uri="{FF2B5EF4-FFF2-40B4-BE49-F238E27FC236}">
-                <a16:creationId xmlns:a16="http://schemas.microsoft.com/office/drawing/2014/main" id="{FC88BD55-2D8C-4EFE-A796-477F31C7A157}"/>
+                <a16:creationId xmlns:a16="http://schemas.microsoft.com/office/drawing/2014/main" id="{102F86A7-8A23-445E-B097-FE558222F592}"/>
               </a:ext>
             </a:extLst>
           </p:cNvPr>
@@ -18378,8 +18371,8 @@
         </p:nvSpPr>
         <p:spPr>
           <a:xfrm>
-            <a:off x="5164346" y="1566378"/>
-            <a:ext cx="5164419" cy="646331"/>
+            <a:off x="8747222" y="1506386"/>
+            <a:ext cx="2764348" cy="1310615"/>
           </a:xfrm>
           <a:prstGeom prst="rect">
             <a:avLst/>
@@ -18391,35 +18384,54 @@
           </a:bodyPr>
           <a:lstStyle/>
           <a:p>
+            <a:pPr marL="171450" indent="-171450">
+              <a:spcAft>
+                <a:spcPts val="500"/>
+              </a:spcAft>
+              <a:buFont typeface="Arial" panose="020B0604020202020204" pitchFamily="34" charset="0"/>
+              <a:buChar char="•"/>
+            </a:pPr>
             <a:r>
-              <a:rPr lang="en-ID" sz="3600" dirty="0">
-                <a:solidFill>
-                  <a:schemeClr val="tx2"/>
-                </a:solidFill>
-                <a:latin typeface="Garamond" panose="02020404030301010803" pitchFamily="18" charset="0"/>
+              <a:rPr lang="en-ID" sz="1500" dirty="0">
+                <a:latin typeface="Lato "/>
                 <a:ea typeface="Lato Black" panose="020F0502020204030203" pitchFamily="34" charset="0"/>
                 <a:cs typeface="Lato Black" panose="020F0502020204030203" pitchFamily="34" charset="0"/>
               </a:rPr>
-              <a:t>Conclusion</a:t>
+              <a:t>From the best value wines, people who are looking for best wine should fine:</a:t>
+            </a:r>
+          </a:p>
+          <a:p>
+            <a:pPr marL="628650" lvl="1" indent="-171450">
+              <a:spcAft>
+                <a:spcPts val="500"/>
+              </a:spcAft>
+              <a:buFont typeface="Arial" panose="020B0604020202020204" pitchFamily="34" charset="0"/>
+              <a:buChar char="•"/>
+            </a:pPr>
+            <a:r>
+              <a:rPr lang="en-ID" sz="1500" dirty="0">
+                <a:latin typeface="Lato "/>
+                <a:ea typeface="Lato Black" panose="020F0502020204030203" pitchFamily="34" charset="0"/>
+                <a:cs typeface="Lato Black" panose="020F0502020204030203" pitchFamily="34" charset="0"/>
+              </a:rPr>
+              <a:t>Smooth-tannic scale between 50 and 70</a:t>
             </a:r>
           </a:p>
         </p:txBody>
       </p:sp>
       <p:pic>
         <p:nvPicPr>
-          <p:cNvPr id="11" name="Picture Placeholder 10" descr="A red liquid being poured into a glass&#10;&#10;Description automatically generated with low confidence">
+          <p:cNvPr id="6" name="Picture 5" descr="Chart, scatter chart&#10;&#10;Description automatically generated">
             <a:extLst>
               <a:ext uri="{FF2B5EF4-FFF2-40B4-BE49-F238E27FC236}">
-                <a16:creationId xmlns:a16="http://schemas.microsoft.com/office/drawing/2014/main" id="{024B7F3B-51B8-470C-B81B-D3DC1F244DB9}"/>
+                <a16:creationId xmlns:a16="http://schemas.microsoft.com/office/drawing/2014/main" id="{F8FB95EF-27A1-4B55-94D4-7D7C758E1CFA}"/>
               </a:ext>
             </a:extLst>
           </p:cNvPr>
           <p:cNvPicPr>
-            <a:picLocks noGrp="1" noChangeAspect="1"/>
+            <a:picLocks noChangeAspect="1"/>
           </p:cNvPicPr>
-          <p:nvPr>
-            <p:ph type="pic" sz="quarter" idx="10"/>
-          </p:nvPr>
+          <p:nvPr/>
         </p:nvPicPr>
         <p:blipFill>
           <a:blip r:embed="rId2">
@@ -18429,22 +18441,24 @@
               </a:ext>
             </a:extLst>
           </a:blip>
-          <a:srcRect l="5133" r="5133"/>
           <a:stretch>
             <a:fillRect/>
           </a:stretch>
         </p:blipFill>
         <p:spPr>
           <a:xfrm>
-            <a:off x="677726" y="3861874"/>
-            <a:ext cx="2668134" cy="2116463"/>
-          </a:xfrm>
+            <a:off x="332743" y="1506384"/>
+            <a:ext cx="5714186" cy="5162979"/>
+          </a:xfrm>
+          <a:prstGeom prst="rect">
+            <a:avLst/>
+          </a:prstGeom>
         </p:spPr>
       </p:pic>
     </p:spTree>
     <p:extLst>
       <p:ext uri="{BB962C8B-B14F-4D97-AF65-F5344CB8AC3E}">
-        <p14:creationId xmlns:p14="http://schemas.microsoft.com/office/powerpoint/2010/main" val="149743223"/>
+        <p14:creationId xmlns:p14="http://schemas.microsoft.com/office/powerpoint/2010/main" val="3994374091"/>
       </p:ext>
     </p:extLst>
   </p:cSld>
@@ -18473,10 +18487,10 @@
       </p:grpSpPr>
       <p:sp>
         <p:nvSpPr>
-          <p:cNvPr id="12" name="Rectangle 11">
+          <p:cNvPr id="621" name="Flowchart: Process 620">
             <a:extLst>
               <a:ext uri="{FF2B5EF4-FFF2-40B4-BE49-F238E27FC236}">
-                <a16:creationId xmlns:a16="http://schemas.microsoft.com/office/drawing/2014/main" id="{782C19F5-7F14-415E-A4AC-60836DBB7B13}"/>
+                <a16:creationId xmlns:a16="http://schemas.microsoft.com/office/drawing/2014/main" id="{4205B030-9107-44C5-BC16-389A34351ABC}"/>
               </a:ext>
             </a:extLst>
           </p:cNvPr>
@@ -18485,12 +18499,17 @@
         </p:nvSpPr>
         <p:spPr>
           <a:xfrm>
-            <a:off x="7708363" y="0"/>
-            <a:ext cx="2075543" cy="6858000"/>
-          </a:xfrm>
-          <a:prstGeom prst="rect">
+            <a:off x="-57791" y="2716"/>
+            <a:ext cx="8679482" cy="6855283"/>
+          </a:xfrm>
+          <a:prstGeom prst="flowChartProcess">
             <a:avLst/>
           </a:prstGeom>
+          <a:solidFill>
+            <a:schemeClr val="accent1">
+              <a:alpha val="50000"/>
+            </a:schemeClr>
+          </a:solidFill>
           <a:ln>
             <a:noFill/>
           </a:ln>
@@ -18516,16 +18535,16 @@
           <a:lstStyle/>
           <a:p>
             <a:pPr algn="ctr"/>
-            <a:endParaRPr lang="en-ID" dirty="0"/>
+            <a:endParaRPr lang="en-ID"/>
           </a:p>
         </p:txBody>
       </p:sp>
       <p:sp>
         <p:nvSpPr>
-          <p:cNvPr id="6" name="TextBox 5">
+          <p:cNvPr id="622" name="TextBox 621">
             <a:extLst>
               <a:ext uri="{FF2B5EF4-FFF2-40B4-BE49-F238E27FC236}">
-                <a16:creationId xmlns:a16="http://schemas.microsoft.com/office/drawing/2014/main" id="{DBDDE8D9-C9F4-4BAE-A9D0-C8E3FCEC8D4C}"/>
+                <a16:creationId xmlns:a16="http://schemas.microsoft.com/office/drawing/2014/main" id="{08DAF66E-FF89-4541-9769-5CE354B52280}"/>
               </a:ext>
             </a:extLst>
           </p:cNvPr>
@@ -18534,8 +18553,8 @@
         </p:nvSpPr>
         <p:spPr>
           <a:xfrm>
-            <a:off x="770140" y="2162456"/>
-            <a:ext cx="4507618" cy="923330"/>
+            <a:off x="278595" y="188636"/>
+            <a:ext cx="7863456" cy="923330"/>
           </a:xfrm>
           <a:prstGeom prst="rect">
             <a:avLst/>
@@ -18551,23 +18570,23 @@
             <a:r>
               <a:rPr lang="en-ID" sz="5400" dirty="0">
                 <a:solidFill>
-                  <a:schemeClr val="tx2"/>
+                  <a:schemeClr val="bg2"/>
                 </a:solidFill>
                 <a:latin typeface="Garamond" panose="02020404030301010803" pitchFamily="18" charset="0"/>
                 <a:ea typeface="Lato" panose="020F0502020204030203" pitchFamily="34" charset="0"/>
                 <a:cs typeface="Lato" panose="020F0502020204030203" pitchFamily="34" charset="0"/>
               </a:rPr>
-              <a:t>Thank you!</a:t>
+              <a:t>Data Analysis</a:t>
             </a:r>
           </a:p>
         </p:txBody>
       </p:sp>
       <p:sp>
         <p:nvSpPr>
-          <p:cNvPr id="7" name="Rectangle 6">
+          <p:cNvPr id="623" name="Rectangle 622">
             <a:extLst>
               <a:ext uri="{FF2B5EF4-FFF2-40B4-BE49-F238E27FC236}">
-                <a16:creationId xmlns:a16="http://schemas.microsoft.com/office/drawing/2014/main" id="{6F18ABCB-134C-4BA1-BDB8-560E9EABD02B}"/>
+                <a16:creationId xmlns:a16="http://schemas.microsoft.com/office/drawing/2014/main" id="{E219A4C3-61E8-4403-8CA4-AC80174485F8}"/>
               </a:ext>
             </a:extLst>
           </p:cNvPr>
@@ -18576,8 +18595,8 @@
         </p:nvSpPr>
         <p:spPr>
           <a:xfrm>
-            <a:off x="758609" y="3244334"/>
-            <a:ext cx="3279841" cy="369332"/>
+            <a:off x="327355" y="993340"/>
+            <a:ext cx="2970322" cy="477054"/>
           </a:xfrm>
           <a:prstGeom prst="rect">
             <a:avLst/>
@@ -18590,7 +18609,1707 @@
           <a:lstStyle/>
           <a:p>
             <a:r>
-              <a:rPr lang="en-ID" dirty="0">
+              <a:rPr lang="en-ID" sz="2500" dirty="0">
+                <a:solidFill>
+                  <a:schemeClr val="bg2"/>
+                </a:solidFill>
+                <a:latin typeface="Garamond" panose="02020404030301010803" pitchFamily="18" charset="0"/>
+                <a:ea typeface="Lato Black" panose="020F0502020204030203" pitchFamily="34" charset="0"/>
+                <a:cs typeface="Lato Black" panose="020F0502020204030203" pitchFamily="34" charset="0"/>
+              </a:rPr>
+              <a:t>Dry-Sweet Note</a:t>
+            </a:r>
+          </a:p>
+        </p:txBody>
+      </p:sp>
+      <p:sp>
+        <p:nvSpPr>
+          <p:cNvPr id="624" name="Rectangle 623">
+            <a:extLst>
+              <a:ext uri="{FF2B5EF4-FFF2-40B4-BE49-F238E27FC236}">
+                <a16:creationId xmlns:a16="http://schemas.microsoft.com/office/drawing/2014/main" id="{E0B83E55-5B3E-4365-87CA-71AA1529BAF7}"/>
+              </a:ext>
+            </a:extLst>
+          </p:cNvPr>
+          <p:cNvSpPr/>
+          <p:nvPr/>
+        </p:nvSpPr>
+        <p:spPr>
+          <a:xfrm>
+            <a:off x="8756187" y="1231867"/>
+            <a:ext cx="2764348" cy="553998"/>
+          </a:xfrm>
+          <a:prstGeom prst="rect">
+            <a:avLst/>
+          </a:prstGeom>
+        </p:spPr>
+        <p:txBody>
+          <a:bodyPr wrap="square">
+            <a:spAutoFit/>
+          </a:bodyPr>
+          <a:lstStyle/>
+          <a:p>
+            <a:pPr marL="171450" indent="-171450">
+              <a:spcAft>
+                <a:spcPts val="500"/>
+              </a:spcAft>
+              <a:buFont typeface="Arial" panose="020B0604020202020204" pitchFamily="34" charset="0"/>
+              <a:buChar char="•"/>
+            </a:pPr>
+            <a:r>
+              <a:rPr lang="en-ID" sz="1500" dirty="0">
+                <a:latin typeface="Lato "/>
+                <a:ea typeface="Lato Black" panose="020F0502020204030203" pitchFamily="34" charset="0"/>
+                <a:cs typeface="Lato Black" panose="020F0502020204030203" pitchFamily="34" charset="0"/>
+              </a:rPr>
+              <a:t>Red wines are generally dry than sweet.</a:t>
+            </a:r>
+          </a:p>
+        </p:txBody>
+      </p:sp>
+      <p:pic>
+        <p:nvPicPr>
+          <p:cNvPr id="3" name="Picture 2" descr="Chart, scatter chart&#10;&#10;Description automatically generated">
+            <a:extLst>
+              <a:ext uri="{FF2B5EF4-FFF2-40B4-BE49-F238E27FC236}">
+                <a16:creationId xmlns:a16="http://schemas.microsoft.com/office/drawing/2014/main" id="{CA19B181-F7D7-4260-A3A0-33745DA59C9C}"/>
+              </a:ext>
+            </a:extLst>
+          </p:cNvPr>
+          <p:cNvPicPr>
+            <a:picLocks noChangeAspect="1"/>
+          </p:cNvPicPr>
+          <p:nvPr/>
+        </p:nvPicPr>
+        <p:blipFill>
+          <a:blip r:embed="rId2">
+            <a:extLst>
+              <a:ext uri="{28A0092B-C50C-407E-A947-70E740481C1C}">
+                <a14:useLocalDpi xmlns:a14="http://schemas.microsoft.com/office/drawing/2010/main" val="0"/>
+              </a:ext>
+            </a:extLst>
+          </a:blip>
+          <a:stretch>
+            <a:fillRect/>
+          </a:stretch>
+        </p:blipFill>
+        <p:spPr>
+          <a:xfrm>
+            <a:off x="327352" y="1470394"/>
+            <a:ext cx="6112359" cy="5177123"/>
+          </a:xfrm>
+          <a:prstGeom prst="rect">
+            <a:avLst/>
+          </a:prstGeom>
+        </p:spPr>
+      </p:pic>
+      <p:pic>
+        <p:nvPicPr>
+          <p:cNvPr id="4" name="Picture 3" descr="Chart, scatter chart&#10;&#10;Description automatically generated">
+            <a:extLst>
+              <a:ext uri="{FF2B5EF4-FFF2-40B4-BE49-F238E27FC236}">
+                <a16:creationId xmlns:a16="http://schemas.microsoft.com/office/drawing/2014/main" id="{668DD48C-E092-4B86-9790-5D268B98B081}"/>
+              </a:ext>
+            </a:extLst>
+          </p:cNvPr>
+          <p:cNvPicPr>
+            <a:picLocks noChangeAspect="1"/>
+          </p:cNvPicPr>
+          <p:nvPr/>
+        </p:nvPicPr>
+        <p:blipFill>
+          <a:blip r:embed="rId3">
+            <a:extLst>
+              <a:ext uri="{28A0092B-C50C-407E-A947-70E740481C1C}">
+                <a14:useLocalDpi xmlns:a14="http://schemas.microsoft.com/office/drawing/2010/main" val="0"/>
+              </a:ext>
+            </a:extLst>
+          </a:blip>
+          <a:stretch>
+            <a:fillRect/>
+          </a:stretch>
+        </p:blipFill>
+        <p:spPr>
+          <a:xfrm>
+            <a:off x="6975759" y="3001180"/>
+            <a:ext cx="4888889" cy="3631746"/>
+          </a:xfrm>
+          <a:prstGeom prst="rect">
+            <a:avLst/>
+          </a:prstGeom>
+        </p:spPr>
+      </p:pic>
+    </p:spTree>
+    <p:extLst>
+      <p:ext uri="{BB962C8B-B14F-4D97-AF65-F5344CB8AC3E}">
+        <p14:creationId xmlns:p14="http://schemas.microsoft.com/office/powerpoint/2010/main" val="2257471925"/>
+      </p:ext>
+    </p:extLst>
+  </p:cSld>
+  <p:clrMapOvr>
+    <a:masterClrMapping/>
+  </p:clrMapOvr>
+</p:sld>
+</file>
+
+<file path=ppt/slides/slide15.xml><?xml version="1.0" encoding="utf-8"?>
+<p:sld xmlns:a="http://schemas.openxmlformats.org/drawingml/2006/main" xmlns:r="http://schemas.openxmlformats.org/officeDocument/2006/relationships" xmlns:p="http://schemas.openxmlformats.org/presentationml/2006/main">
+  <p:cSld>
+    <p:spTree>
+      <p:nvGrpSpPr>
+        <p:cNvPr id="1" name=""/>
+        <p:cNvGrpSpPr/>
+        <p:nvPr/>
+      </p:nvGrpSpPr>
+      <p:grpSpPr>
+        <a:xfrm>
+          <a:off x="0" y="0"/>
+          <a:ext cx="0" cy="0"/>
+          <a:chOff x="0" y="0"/>
+          <a:chExt cx="0" cy="0"/>
+        </a:xfrm>
+      </p:grpSpPr>
+      <p:sp>
+        <p:nvSpPr>
+          <p:cNvPr id="621" name="Flowchart: Process 620">
+            <a:extLst>
+              <a:ext uri="{FF2B5EF4-FFF2-40B4-BE49-F238E27FC236}">
+                <a16:creationId xmlns:a16="http://schemas.microsoft.com/office/drawing/2014/main" id="{4205B030-9107-44C5-BC16-389A34351ABC}"/>
+              </a:ext>
+            </a:extLst>
+          </p:cNvPr>
+          <p:cNvSpPr/>
+          <p:nvPr/>
+        </p:nvSpPr>
+        <p:spPr>
+          <a:xfrm>
+            <a:off x="-57791" y="2716"/>
+            <a:ext cx="8679482" cy="6855283"/>
+          </a:xfrm>
+          <a:prstGeom prst="flowChartProcess">
+            <a:avLst/>
+          </a:prstGeom>
+          <a:solidFill>
+            <a:schemeClr val="accent1">
+              <a:alpha val="50000"/>
+            </a:schemeClr>
+          </a:solidFill>
+          <a:ln>
+            <a:noFill/>
+          </a:ln>
+        </p:spPr>
+        <p:style>
+          <a:lnRef idx="2">
+            <a:schemeClr val="accent1">
+              <a:shade val="50000"/>
+            </a:schemeClr>
+          </a:lnRef>
+          <a:fillRef idx="1">
+            <a:schemeClr val="accent1"/>
+          </a:fillRef>
+          <a:effectRef idx="0">
+            <a:schemeClr val="accent1"/>
+          </a:effectRef>
+          <a:fontRef idx="minor">
+            <a:schemeClr val="lt1"/>
+          </a:fontRef>
+        </p:style>
+        <p:txBody>
+          <a:bodyPr rtlCol="0" anchor="ctr"/>
+          <a:lstStyle/>
+          <a:p>
+            <a:pPr algn="ctr"/>
+            <a:endParaRPr lang="en-ID"/>
+          </a:p>
+        </p:txBody>
+      </p:sp>
+      <p:sp>
+        <p:nvSpPr>
+          <p:cNvPr id="622" name="TextBox 621">
+            <a:extLst>
+              <a:ext uri="{FF2B5EF4-FFF2-40B4-BE49-F238E27FC236}">
+                <a16:creationId xmlns:a16="http://schemas.microsoft.com/office/drawing/2014/main" id="{08DAF66E-FF89-4541-9769-5CE354B52280}"/>
+              </a:ext>
+            </a:extLst>
+          </p:cNvPr>
+          <p:cNvSpPr txBox="1"/>
+          <p:nvPr/>
+        </p:nvSpPr>
+        <p:spPr>
+          <a:xfrm>
+            <a:off x="278595" y="188636"/>
+            <a:ext cx="7863456" cy="923330"/>
+          </a:xfrm>
+          <a:prstGeom prst="rect">
+            <a:avLst/>
+          </a:prstGeom>
+          <a:noFill/>
+        </p:spPr>
+        <p:txBody>
+          <a:bodyPr wrap="square" rtlCol="0">
+            <a:spAutoFit/>
+          </a:bodyPr>
+          <a:lstStyle/>
+          <a:p>
+            <a:r>
+              <a:rPr lang="en-ID" sz="5400" dirty="0">
+                <a:solidFill>
+                  <a:schemeClr val="bg2"/>
+                </a:solidFill>
+                <a:latin typeface="Garamond" panose="02020404030301010803" pitchFamily="18" charset="0"/>
+                <a:ea typeface="Lato" panose="020F0502020204030203" pitchFamily="34" charset="0"/>
+                <a:cs typeface="Lato" panose="020F0502020204030203" pitchFamily="34" charset="0"/>
+              </a:rPr>
+              <a:t>Data Analysis</a:t>
+            </a:r>
+          </a:p>
+        </p:txBody>
+      </p:sp>
+      <p:sp>
+        <p:nvSpPr>
+          <p:cNvPr id="623" name="Rectangle 622">
+            <a:extLst>
+              <a:ext uri="{FF2B5EF4-FFF2-40B4-BE49-F238E27FC236}">
+                <a16:creationId xmlns:a16="http://schemas.microsoft.com/office/drawing/2014/main" id="{E219A4C3-61E8-4403-8CA4-AC80174485F8}"/>
+              </a:ext>
+            </a:extLst>
+          </p:cNvPr>
+          <p:cNvSpPr/>
+          <p:nvPr/>
+        </p:nvSpPr>
+        <p:spPr>
+          <a:xfrm>
+            <a:off x="327354" y="993340"/>
+            <a:ext cx="5571421" cy="477054"/>
+          </a:xfrm>
+          <a:prstGeom prst="rect">
+            <a:avLst/>
+          </a:prstGeom>
+        </p:spPr>
+        <p:txBody>
+          <a:bodyPr wrap="square">
+            <a:spAutoFit/>
+          </a:bodyPr>
+          <a:lstStyle/>
+          <a:p>
+            <a:r>
+              <a:rPr lang="en-ID" sz="2500" dirty="0">
+                <a:solidFill>
+                  <a:schemeClr val="bg2"/>
+                </a:solidFill>
+                <a:latin typeface="Garamond" panose="02020404030301010803" pitchFamily="18" charset="0"/>
+                <a:ea typeface="Lato Black" panose="020F0502020204030203" pitchFamily="34" charset="0"/>
+                <a:cs typeface="Lato Black" panose="020F0502020204030203" pitchFamily="34" charset="0"/>
+              </a:rPr>
+              <a:t>Dry-Sweet Note (Best Value Wines)</a:t>
+            </a:r>
+          </a:p>
+        </p:txBody>
+      </p:sp>
+      <p:sp>
+        <p:nvSpPr>
+          <p:cNvPr id="10" name="Rectangle 9">
+            <a:extLst>
+              <a:ext uri="{FF2B5EF4-FFF2-40B4-BE49-F238E27FC236}">
+                <a16:creationId xmlns:a16="http://schemas.microsoft.com/office/drawing/2014/main" id="{102F86A7-8A23-445E-B097-FE558222F592}"/>
+              </a:ext>
+            </a:extLst>
+          </p:cNvPr>
+          <p:cNvSpPr/>
+          <p:nvPr/>
+        </p:nvSpPr>
+        <p:spPr>
+          <a:xfrm>
+            <a:off x="8747222" y="1506386"/>
+            <a:ext cx="2764348" cy="1079783"/>
+          </a:xfrm>
+          <a:prstGeom prst="rect">
+            <a:avLst/>
+          </a:prstGeom>
+        </p:spPr>
+        <p:txBody>
+          <a:bodyPr wrap="square">
+            <a:spAutoFit/>
+          </a:bodyPr>
+          <a:lstStyle/>
+          <a:p>
+            <a:pPr marL="171450" indent="-171450">
+              <a:spcAft>
+                <a:spcPts val="500"/>
+              </a:spcAft>
+              <a:buFont typeface="Arial" panose="020B0604020202020204" pitchFamily="34" charset="0"/>
+              <a:buChar char="•"/>
+            </a:pPr>
+            <a:r>
+              <a:rPr lang="en-ID" sz="1500" dirty="0">
+                <a:latin typeface="Lato "/>
+                <a:ea typeface="Lato Black" panose="020F0502020204030203" pitchFamily="34" charset="0"/>
+                <a:cs typeface="Lato Black" panose="020F0502020204030203" pitchFamily="34" charset="0"/>
+              </a:rPr>
+              <a:t>From the best value wines, people who are looking for best wine should fine:</a:t>
+            </a:r>
+          </a:p>
+          <a:p>
+            <a:pPr marL="628650" lvl="1" indent="-171450">
+              <a:spcAft>
+                <a:spcPts val="500"/>
+              </a:spcAft>
+              <a:buFont typeface="Arial" panose="020B0604020202020204" pitchFamily="34" charset="0"/>
+              <a:buChar char="•"/>
+            </a:pPr>
+            <a:r>
+              <a:rPr lang="en-ID" sz="1500" dirty="0">
+                <a:latin typeface="Lato "/>
+                <a:ea typeface="Lato Black" panose="020F0502020204030203" pitchFamily="34" charset="0"/>
+                <a:cs typeface="Lato Black" panose="020F0502020204030203" pitchFamily="34" charset="0"/>
+              </a:rPr>
+              <a:t>Dry-sweet scale &lt; 15</a:t>
+            </a:r>
+          </a:p>
+        </p:txBody>
+      </p:sp>
+      <p:pic>
+        <p:nvPicPr>
+          <p:cNvPr id="6" name="Picture 5" descr="Chart, scatter chart&#10;&#10;Description automatically generated">
+            <a:extLst>
+              <a:ext uri="{FF2B5EF4-FFF2-40B4-BE49-F238E27FC236}">
+                <a16:creationId xmlns:a16="http://schemas.microsoft.com/office/drawing/2014/main" id="{EA12F67A-56AF-4B24-BBE6-2E970EE25454}"/>
+              </a:ext>
+            </a:extLst>
+          </p:cNvPr>
+          <p:cNvPicPr>
+            <a:picLocks noChangeAspect="1"/>
+          </p:cNvPicPr>
+          <p:nvPr/>
+        </p:nvPicPr>
+        <p:blipFill>
+          <a:blip r:embed="rId2">
+            <a:extLst>
+              <a:ext uri="{28A0092B-C50C-407E-A947-70E740481C1C}">
+                <a14:useLocalDpi xmlns:a14="http://schemas.microsoft.com/office/drawing/2010/main" val="0"/>
+              </a:ext>
+            </a:extLst>
+          </a:blip>
+          <a:stretch>
+            <a:fillRect/>
+          </a:stretch>
+        </p:blipFill>
+        <p:spPr>
+          <a:xfrm>
+            <a:off x="327354" y="1506384"/>
+            <a:ext cx="5143998" cy="5162979"/>
+          </a:xfrm>
+          <a:prstGeom prst="rect">
+            <a:avLst/>
+          </a:prstGeom>
+        </p:spPr>
+      </p:pic>
+    </p:spTree>
+    <p:extLst>
+      <p:ext uri="{BB962C8B-B14F-4D97-AF65-F5344CB8AC3E}">
+        <p14:creationId xmlns:p14="http://schemas.microsoft.com/office/powerpoint/2010/main" val="363509142"/>
+      </p:ext>
+    </p:extLst>
+  </p:cSld>
+  <p:clrMapOvr>
+    <a:masterClrMapping/>
+  </p:clrMapOvr>
+</p:sld>
+</file>
+
+<file path=ppt/slides/slide16.xml><?xml version="1.0" encoding="utf-8"?>
+<p:sld xmlns:a="http://schemas.openxmlformats.org/drawingml/2006/main" xmlns:r="http://schemas.openxmlformats.org/officeDocument/2006/relationships" xmlns:p="http://schemas.openxmlformats.org/presentationml/2006/main">
+  <p:cSld>
+    <p:spTree>
+      <p:nvGrpSpPr>
+        <p:cNvPr id="1" name=""/>
+        <p:cNvGrpSpPr/>
+        <p:nvPr/>
+      </p:nvGrpSpPr>
+      <p:grpSpPr>
+        <a:xfrm>
+          <a:off x="0" y="0"/>
+          <a:ext cx="0" cy="0"/>
+          <a:chOff x="0" y="0"/>
+          <a:chExt cx="0" cy="0"/>
+        </a:xfrm>
+      </p:grpSpPr>
+      <p:sp>
+        <p:nvSpPr>
+          <p:cNvPr id="621" name="Flowchart: Process 620">
+            <a:extLst>
+              <a:ext uri="{FF2B5EF4-FFF2-40B4-BE49-F238E27FC236}">
+                <a16:creationId xmlns:a16="http://schemas.microsoft.com/office/drawing/2014/main" id="{4205B030-9107-44C5-BC16-389A34351ABC}"/>
+              </a:ext>
+            </a:extLst>
+          </p:cNvPr>
+          <p:cNvSpPr/>
+          <p:nvPr/>
+        </p:nvSpPr>
+        <p:spPr>
+          <a:xfrm>
+            <a:off x="-57791" y="2716"/>
+            <a:ext cx="8679482" cy="6855283"/>
+          </a:xfrm>
+          <a:prstGeom prst="flowChartProcess">
+            <a:avLst/>
+          </a:prstGeom>
+          <a:solidFill>
+            <a:schemeClr val="accent1">
+              <a:alpha val="50000"/>
+            </a:schemeClr>
+          </a:solidFill>
+          <a:ln>
+            <a:noFill/>
+          </a:ln>
+        </p:spPr>
+        <p:style>
+          <a:lnRef idx="2">
+            <a:schemeClr val="accent1">
+              <a:shade val="50000"/>
+            </a:schemeClr>
+          </a:lnRef>
+          <a:fillRef idx="1">
+            <a:schemeClr val="accent1"/>
+          </a:fillRef>
+          <a:effectRef idx="0">
+            <a:schemeClr val="accent1"/>
+          </a:effectRef>
+          <a:fontRef idx="minor">
+            <a:schemeClr val="lt1"/>
+          </a:fontRef>
+        </p:style>
+        <p:txBody>
+          <a:bodyPr rtlCol="0" anchor="ctr"/>
+          <a:lstStyle/>
+          <a:p>
+            <a:pPr algn="ctr"/>
+            <a:endParaRPr lang="en-ID"/>
+          </a:p>
+        </p:txBody>
+      </p:sp>
+      <p:sp>
+        <p:nvSpPr>
+          <p:cNvPr id="622" name="TextBox 621">
+            <a:extLst>
+              <a:ext uri="{FF2B5EF4-FFF2-40B4-BE49-F238E27FC236}">
+                <a16:creationId xmlns:a16="http://schemas.microsoft.com/office/drawing/2014/main" id="{08DAF66E-FF89-4541-9769-5CE354B52280}"/>
+              </a:ext>
+            </a:extLst>
+          </p:cNvPr>
+          <p:cNvSpPr txBox="1"/>
+          <p:nvPr/>
+        </p:nvSpPr>
+        <p:spPr>
+          <a:xfrm>
+            <a:off x="278595" y="188636"/>
+            <a:ext cx="7863456" cy="923330"/>
+          </a:xfrm>
+          <a:prstGeom prst="rect">
+            <a:avLst/>
+          </a:prstGeom>
+          <a:noFill/>
+        </p:spPr>
+        <p:txBody>
+          <a:bodyPr wrap="square" rtlCol="0">
+            <a:spAutoFit/>
+          </a:bodyPr>
+          <a:lstStyle/>
+          <a:p>
+            <a:r>
+              <a:rPr lang="en-ID" sz="5400" dirty="0">
+                <a:solidFill>
+                  <a:schemeClr val="bg2"/>
+                </a:solidFill>
+                <a:latin typeface="Garamond" panose="02020404030301010803" pitchFamily="18" charset="0"/>
+                <a:ea typeface="Lato" panose="020F0502020204030203" pitchFamily="34" charset="0"/>
+                <a:cs typeface="Lato" panose="020F0502020204030203" pitchFamily="34" charset="0"/>
+              </a:rPr>
+              <a:t>Data Analysis</a:t>
+            </a:r>
+          </a:p>
+        </p:txBody>
+      </p:sp>
+      <p:sp>
+        <p:nvSpPr>
+          <p:cNvPr id="623" name="Rectangle 622">
+            <a:extLst>
+              <a:ext uri="{FF2B5EF4-FFF2-40B4-BE49-F238E27FC236}">
+                <a16:creationId xmlns:a16="http://schemas.microsoft.com/office/drawing/2014/main" id="{E219A4C3-61E8-4403-8CA4-AC80174485F8}"/>
+              </a:ext>
+            </a:extLst>
+          </p:cNvPr>
+          <p:cNvSpPr/>
+          <p:nvPr/>
+        </p:nvSpPr>
+        <p:spPr>
+          <a:xfrm>
+            <a:off x="327355" y="993340"/>
+            <a:ext cx="2970322" cy="477054"/>
+          </a:xfrm>
+          <a:prstGeom prst="rect">
+            <a:avLst/>
+          </a:prstGeom>
+        </p:spPr>
+        <p:txBody>
+          <a:bodyPr wrap="square">
+            <a:spAutoFit/>
+          </a:bodyPr>
+          <a:lstStyle/>
+          <a:p>
+            <a:r>
+              <a:rPr lang="en-ID" sz="2500" dirty="0">
+                <a:solidFill>
+                  <a:schemeClr val="bg2"/>
+                </a:solidFill>
+                <a:latin typeface="Garamond" panose="02020404030301010803" pitchFamily="18" charset="0"/>
+                <a:ea typeface="Lato Black" panose="020F0502020204030203" pitchFamily="34" charset="0"/>
+                <a:cs typeface="Lato Black" panose="020F0502020204030203" pitchFamily="34" charset="0"/>
+              </a:rPr>
+              <a:t>Soft-Acidic Note</a:t>
+            </a:r>
+          </a:p>
+        </p:txBody>
+      </p:sp>
+      <p:sp>
+        <p:nvSpPr>
+          <p:cNvPr id="624" name="Rectangle 623">
+            <a:extLst>
+              <a:ext uri="{FF2B5EF4-FFF2-40B4-BE49-F238E27FC236}">
+                <a16:creationId xmlns:a16="http://schemas.microsoft.com/office/drawing/2014/main" id="{E0B83E55-5B3E-4365-87CA-71AA1529BAF7}"/>
+              </a:ext>
+            </a:extLst>
+          </p:cNvPr>
+          <p:cNvSpPr/>
+          <p:nvPr/>
+        </p:nvSpPr>
+        <p:spPr>
+          <a:xfrm>
+            <a:off x="8756187" y="1231867"/>
+            <a:ext cx="2764348" cy="784830"/>
+          </a:xfrm>
+          <a:prstGeom prst="rect">
+            <a:avLst/>
+          </a:prstGeom>
+        </p:spPr>
+        <p:txBody>
+          <a:bodyPr wrap="square">
+            <a:spAutoFit/>
+          </a:bodyPr>
+          <a:lstStyle/>
+          <a:p>
+            <a:pPr marL="171450" indent="-171450">
+              <a:spcAft>
+                <a:spcPts val="500"/>
+              </a:spcAft>
+              <a:buFont typeface="Arial" panose="020B0604020202020204" pitchFamily="34" charset="0"/>
+              <a:buChar char="•"/>
+            </a:pPr>
+            <a:r>
+              <a:rPr lang="en-ID" sz="1500" dirty="0">
+                <a:latin typeface="Lato "/>
+                <a:ea typeface="Lato Black" panose="020F0502020204030203" pitchFamily="34" charset="0"/>
+                <a:cs typeface="Lato Black" panose="020F0502020204030203" pitchFamily="34" charset="0"/>
+              </a:rPr>
+              <a:t>The soft-acidic note is more spread out but still skewed towards acidic.</a:t>
+            </a:r>
+          </a:p>
+        </p:txBody>
+      </p:sp>
+      <p:pic>
+        <p:nvPicPr>
+          <p:cNvPr id="4" name="Picture 3" descr="Chart&#10;&#10;Description automatically generated">
+            <a:extLst>
+              <a:ext uri="{FF2B5EF4-FFF2-40B4-BE49-F238E27FC236}">
+                <a16:creationId xmlns:a16="http://schemas.microsoft.com/office/drawing/2014/main" id="{51E4B3DD-9FCE-4CEC-BCF0-8CDCC5DCA363}"/>
+              </a:ext>
+            </a:extLst>
+          </p:cNvPr>
+          <p:cNvPicPr>
+            <a:picLocks noChangeAspect="1"/>
+          </p:cNvPicPr>
+          <p:nvPr/>
+        </p:nvPicPr>
+        <p:blipFill>
+          <a:blip r:embed="rId2">
+            <a:extLst>
+              <a:ext uri="{28A0092B-C50C-407E-A947-70E740481C1C}">
+                <a14:useLocalDpi xmlns:a14="http://schemas.microsoft.com/office/drawing/2010/main" val="0"/>
+              </a:ext>
+            </a:extLst>
+          </a:blip>
+          <a:stretch>
+            <a:fillRect/>
+          </a:stretch>
+        </p:blipFill>
+        <p:spPr>
+          <a:xfrm>
+            <a:off x="327352" y="1470394"/>
+            <a:ext cx="6092903" cy="5176217"/>
+          </a:xfrm>
+          <a:prstGeom prst="rect">
+            <a:avLst/>
+          </a:prstGeom>
+        </p:spPr>
+      </p:pic>
+      <p:pic>
+        <p:nvPicPr>
+          <p:cNvPr id="3" name="Picture 2" descr="Chart, scatter chart&#10;&#10;Description automatically generated">
+            <a:extLst>
+              <a:ext uri="{FF2B5EF4-FFF2-40B4-BE49-F238E27FC236}">
+                <a16:creationId xmlns:a16="http://schemas.microsoft.com/office/drawing/2014/main" id="{E37CA554-BC5D-4F63-8385-BB218FCC9820}"/>
+              </a:ext>
+            </a:extLst>
+          </p:cNvPr>
+          <p:cNvPicPr>
+            <a:picLocks noChangeAspect="1"/>
+          </p:cNvPicPr>
+          <p:nvPr/>
+        </p:nvPicPr>
+        <p:blipFill>
+          <a:blip r:embed="rId3">
+            <a:extLst>
+              <a:ext uri="{28A0092B-C50C-407E-A947-70E740481C1C}">
+                <a14:useLocalDpi xmlns:a14="http://schemas.microsoft.com/office/drawing/2010/main" val="0"/>
+              </a:ext>
+            </a:extLst>
+          </a:blip>
+          <a:stretch>
+            <a:fillRect/>
+          </a:stretch>
+        </p:blipFill>
+        <p:spPr>
+          <a:xfrm>
+            <a:off x="6947647" y="2986843"/>
+            <a:ext cx="4926611" cy="3659768"/>
+          </a:xfrm>
+          <a:prstGeom prst="rect">
+            <a:avLst/>
+          </a:prstGeom>
+        </p:spPr>
+      </p:pic>
+    </p:spTree>
+    <p:extLst>
+      <p:ext uri="{BB962C8B-B14F-4D97-AF65-F5344CB8AC3E}">
+        <p14:creationId xmlns:p14="http://schemas.microsoft.com/office/powerpoint/2010/main" val="811851511"/>
+      </p:ext>
+    </p:extLst>
+  </p:cSld>
+  <p:clrMapOvr>
+    <a:masterClrMapping/>
+  </p:clrMapOvr>
+</p:sld>
+</file>
+
+<file path=ppt/slides/slide17.xml><?xml version="1.0" encoding="utf-8"?>
+<p:sld xmlns:a="http://schemas.openxmlformats.org/drawingml/2006/main" xmlns:r="http://schemas.openxmlformats.org/officeDocument/2006/relationships" xmlns:p="http://schemas.openxmlformats.org/presentationml/2006/main">
+  <p:cSld>
+    <p:spTree>
+      <p:nvGrpSpPr>
+        <p:cNvPr id="1" name=""/>
+        <p:cNvGrpSpPr/>
+        <p:nvPr/>
+      </p:nvGrpSpPr>
+      <p:grpSpPr>
+        <a:xfrm>
+          <a:off x="0" y="0"/>
+          <a:ext cx="0" cy="0"/>
+          <a:chOff x="0" y="0"/>
+          <a:chExt cx="0" cy="0"/>
+        </a:xfrm>
+      </p:grpSpPr>
+      <p:sp>
+        <p:nvSpPr>
+          <p:cNvPr id="621" name="Flowchart: Process 620">
+            <a:extLst>
+              <a:ext uri="{FF2B5EF4-FFF2-40B4-BE49-F238E27FC236}">
+                <a16:creationId xmlns:a16="http://schemas.microsoft.com/office/drawing/2014/main" id="{4205B030-9107-44C5-BC16-389A34351ABC}"/>
+              </a:ext>
+            </a:extLst>
+          </p:cNvPr>
+          <p:cNvSpPr/>
+          <p:nvPr/>
+        </p:nvSpPr>
+        <p:spPr>
+          <a:xfrm>
+            <a:off x="-57791" y="2716"/>
+            <a:ext cx="8679482" cy="6855283"/>
+          </a:xfrm>
+          <a:prstGeom prst="flowChartProcess">
+            <a:avLst/>
+          </a:prstGeom>
+          <a:solidFill>
+            <a:schemeClr val="accent1">
+              <a:alpha val="50000"/>
+            </a:schemeClr>
+          </a:solidFill>
+          <a:ln>
+            <a:noFill/>
+          </a:ln>
+        </p:spPr>
+        <p:style>
+          <a:lnRef idx="2">
+            <a:schemeClr val="accent1">
+              <a:shade val="50000"/>
+            </a:schemeClr>
+          </a:lnRef>
+          <a:fillRef idx="1">
+            <a:schemeClr val="accent1"/>
+          </a:fillRef>
+          <a:effectRef idx="0">
+            <a:schemeClr val="accent1"/>
+          </a:effectRef>
+          <a:fontRef idx="minor">
+            <a:schemeClr val="lt1"/>
+          </a:fontRef>
+        </p:style>
+        <p:txBody>
+          <a:bodyPr rtlCol="0" anchor="ctr"/>
+          <a:lstStyle/>
+          <a:p>
+            <a:pPr algn="ctr"/>
+            <a:endParaRPr lang="en-ID"/>
+          </a:p>
+        </p:txBody>
+      </p:sp>
+      <p:sp>
+        <p:nvSpPr>
+          <p:cNvPr id="622" name="TextBox 621">
+            <a:extLst>
+              <a:ext uri="{FF2B5EF4-FFF2-40B4-BE49-F238E27FC236}">
+                <a16:creationId xmlns:a16="http://schemas.microsoft.com/office/drawing/2014/main" id="{08DAF66E-FF89-4541-9769-5CE354B52280}"/>
+              </a:ext>
+            </a:extLst>
+          </p:cNvPr>
+          <p:cNvSpPr txBox="1"/>
+          <p:nvPr/>
+        </p:nvSpPr>
+        <p:spPr>
+          <a:xfrm>
+            <a:off x="278595" y="188636"/>
+            <a:ext cx="7863456" cy="923330"/>
+          </a:xfrm>
+          <a:prstGeom prst="rect">
+            <a:avLst/>
+          </a:prstGeom>
+          <a:noFill/>
+        </p:spPr>
+        <p:txBody>
+          <a:bodyPr wrap="square" rtlCol="0">
+            <a:spAutoFit/>
+          </a:bodyPr>
+          <a:lstStyle/>
+          <a:p>
+            <a:r>
+              <a:rPr lang="en-ID" sz="5400" dirty="0">
+                <a:solidFill>
+                  <a:schemeClr val="bg2"/>
+                </a:solidFill>
+                <a:latin typeface="Garamond" panose="02020404030301010803" pitchFamily="18" charset="0"/>
+                <a:ea typeface="Lato" panose="020F0502020204030203" pitchFamily="34" charset="0"/>
+                <a:cs typeface="Lato" panose="020F0502020204030203" pitchFamily="34" charset="0"/>
+              </a:rPr>
+              <a:t>Data Analysis</a:t>
+            </a:r>
+          </a:p>
+        </p:txBody>
+      </p:sp>
+      <p:sp>
+        <p:nvSpPr>
+          <p:cNvPr id="623" name="Rectangle 622">
+            <a:extLst>
+              <a:ext uri="{FF2B5EF4-FFF2-40B4-BE49-F238E27FC236}">
+                <a16:creationId xmlns:a16="http://schemas.microsoft.com/office/drawing/2014/main" id="{E219A4C3-61E8-4403-8CA4-AC80174485F8}"/>
+              </a:ext>
+            </a:extLst>
+          </p:cNvPr>
+          <p:cNvSpPr/>
+          <p:nvPr/>
+        </p:nvSpPr>
+        <p:spPr>
+          <a:xfrm>
+            <a:off x="327354" y="993340"/>
+            <a:ext cx="5571421" cy="477054"/>
+          </a:xfrm>
+          <a:prstGeom prst="rect">
+            <a:avLst/>
+          </a:prstGeom>
+        </p:spPr>
+        <p:txBody>
+          <a:bodyPr wrap="square">
+            <a:spAutoFit/>
+          </a:bodyPr>
+          <a:lstStyle/>
+          <a:p>
+            <a:r>
+              <a:rPr lang="en-ID" sz="2500" dirty="0">
+                <a:solidFill>
+                  <a:schemeClr val="bg2"/>
+                </a:solidFill>
+                <a:latin typeface="Garamond" panose="02020404030301010803" pitchFamily="18" charset="0"/>
+                <a:ea typeface="Lato Black" panose="020F0502020204030203" pitchFamily="34" charset="0"/>
+                <a:cs typeface="Lato Black" panose="020F0502020204030203" pitchFamily="34" charset="0"/>
+              </a:rPr>
+              <a:t>Soft-Acidic Note (Best Value Wines)</a:t>
+            </a:r>
+          </a:p>
+        </p:txBody>
+      </p:sp>
+      <p:sp>
+        <p:nvSpPr>
+          <p:cNvPr id="10" name="Rectangle 9">
+            <a:extLst>
+              <a:ext uri="{FF2B5EF4-FFF2-40B4-BE49-F238E27FC236}">
+                <a16:creationId xmlns:a16="http://schemas.microsoft.com/office/drawing/2014/main" id="{102F86A7-8A23-445E-B097-FE558222F592}"/>
+              </a:ext>
+            </a:extLst>
+          </p:cNvPr>
+          <p:cNvSpPr/>
+          <p:nvPr/>
+        </p:nvSpPr>
+        <p:spPr>
+          <a:xfrm>
+            <a:off x="8747222" y="1506386"/>
+            <a:ext cx="2764348" cy="1310615"/>
+          </a:xfrm>
+          <a:prstGeom prst="rect">
+            <a:avLst/>
+          </a:prstGeom>
+        </p:spPr>
+        <p:txBody>
+          <a:bodyPr wrap="square">
+            <a:spAutoFit/>
+          </a:bodyPr>
+          <a:lstStyle/>
+          <a:p>
+            <a:pPr marL="171450" indent="-171450">
+              <a:spcAft>
+                <a:spcPts val="500"/>
+              </a:spcAft>
+              <a:buFont typeface="Arial" panose="020B0604020202020204" pitchFamily="34" charset="0"/>
+              <a:buChar char="•"/>
+            </a:pPr>
+            <a:r>
+              <a:rPr lang="en-ID" sz="1500" dirty="0">
+                <a:latin typeface="Lato "/>
+                <a:ea typeface="Lato Black" panose="020F0502020204030203" pitchFamily="34" charset="0"/>
+                <a:cs typeface="Lato Black" panose="020F0502020204030203" pitchFamily="34" charset="0"/>
+              </a:rPr>
+              <a:t>From the best value wines, people who are looking for best wine should fine:</a:t>
+            </a:r>
+          </a:p>
+          <a:p>
+            <a:pPr marL="628650" lvl="1" indent="-171450">
+              <a:spcAft>
+                <a:spcPts val="500"/>
+              </a:spcAft>
+              <a:buFont typeface="Arial" panose="020B0604020202020204" pitchFamily="34" charset="0"/>
+              <a:buChar char="•"/>
+            </a:pPr>
+            <a:r>
+              <a:rPr lang="en-ID" sz="1500" dirty="0">
+                <a:latin typeface="Lato "/>
+                <a:ea typeface="Lato Black" panose="020F0502020204030203" pitchFamily="34" charset="0"/>
+                <a:cs typeface="Lato Black" panose="020F0502020204030203" pitchFamily="34" charset="0"/>
+              </a:rPr>
+              <a:t>Soft-Acidic scale between 50 and 70</a:t>
+            </a:r>
+          </a:p>
+        </p:txBody>
+      </p:sp>
+      <p:pic>
+        <p:nvPicPr>
+          <p:cNvPr id="6" name="Picture 5" descr="Chart, scatter chart&#10;&#10;Description automatically generated">
+            <a:extLst>
+              <a:ext uri="{FF2B5EF4-FFF2-40B4-BE49-F238E27FC236}">
+                <a16:creationId xmlns:a16="http://schemas.microsoft.com/office/drawing/2014/main" id="{C9B7B482-5E3A-48A2-8B4A-76B3316F4A88}"/>
+              </a:ext>
+            </a:extLst>
+          </p:cNvPr>
+          <p:cNvPicPr>
+            <a:picLocks noChangeAspect="1"/>
+          </p:cNvPicPr>
+          <p:nvPr/>
+        </p:nvPicPr>
+        <p:blipFill>
+          <a:blip r:embed="rId2">
+            <a:extLst>
+              <a:ext uri="{28A0092B-C50C-407E-A947-70E740481C1C}">
+                <a14:useLocalDpi xmlns:a14="http://schemas.microsoft.com/office/drawing/2010/main" val="0"/>
+              </a:ext>
+            </a:extLst>
+          </a:blip>
+          <a:stretch>
+            <a:fillRect/>
+          </a:stretch>
+        </p:blipFill>
+        <p:spPr>
+          <a:xfrm>
+            <a:off x="327352" y="1506384"/>
+            <a:ext cx="5162979" cy="5162979"/>
+          </a:xfrm>
+          <a:prstGeom prst="rect">
+            <a:avLst/>
+          </a:prstGeom>
+        </p:spPr>
+      </p:pic>
+    </p:spTree>
+    <p:extLst>
+      <p:ext uri="{BB962C8B-B14F-4D97-AF65-F5344CB8AC3E}">
+        <p14:creationId xmlns:p14="http://schemas.microsoft.com/office/powerpoint/2010/main" val="1243811075"/>
+      </p:ext>
+    </p:extLst>
+  </p:cSld>
+  <p:clrMapOvr>
+    <a:masterClrMapping/>
+  </p:clrMapOvr>
+</p:sld>
+</file>
+
+<file path=ppt/slides/slide18.xml><?xml version="1.0" encoding="utf-8"?>
+<p:sld xmlns:a="http://schemas.openxmlformats.org/drawingml/2006/main" xmlns:r="http://schemas.openxmlformats.org/officeDocument/2006/relationships" xmlns:p="http://schemas.openxmlformats.org/presentationml/2006/main">
+  <p:cSld>
+    <p:spTree>
+      <p:nvGrpSpPr>
+        <p:cNvPr id="1" name=""/>
+        <p:cNvGrpSpPr/>
+        <p:nvPr/>
+      </p:nvGrpSpPr>
+      <p:grpSpPr>
+        <a:xfrm>
+          <a:off x="0" y="0"/>
+          <a:ext cx="0" cy="0"/>
+          <a:chOff x="0" y="0"/>
+          <a:chExt cx="0" cy="0"/>
+        </a:xfrm>
+      </p:grpSpPr>
+      <p:sp>
+        <p:nvSpPr>
+          <p:cNvPr id="621" name="Flowchart: Process 620">
+            <a:extLst>
+              <a:ext uri="{FF2B5EF4-FFF2-40B4-BE49-F238E27FC236}">
+                <a16:creationId xmlns:a16="http://schemas.microsoft.com/office/drawing/2014/main" id="{4205B030-9107-44C5-BC16-389A34351ABC}"/>
+              </a:ext>
+            </a:extLst>
+          </p:cNvPr>
+          <p:cNvSpPr/>
+          <p:nvPr/>
+        </p:nvSpPr>
+        <p:spPr>
+          <a:xfrm>
+            <a:off x="-57791" y="2716"/>
+            <a:ext cx="8679482" cy="6855283"/>
+          </a:xfrm>
+          <a:prstGeom prst="flowChartProcess">
+            <a:avLst/>
+          </a:prstGeom>
+          <a:solidFill>
+            <a:schemeClr val="accent1">
+              <a:alpha val="50000"/>
+            </a:schemeClr>
+          </a:solidFill>
+          <a:ln>
+            <a:noFill/>
+          </a:ln>
+        </p:spPr>
+        <p:style>
+          <a:lnRef idx="2">
+            <a:schemeClr val="accent1">
+              <a:shade val="50000"/>
+            </a:schemeClr>
+          </a:lnRef>
+          <a:fillRef idx="1">
+            <a:schemeClr val="accent1"/>
+          </a:fillRef>
+          <a:effectRef idx="0">
+            <a:schemeClr val="accent1"/>
+          </a:effectRef>
+          <a:fontRef idx="minor">
+            <a:schemeClr val="lt1"/>
+          </a:fontRef>
+        </p:style>
+        <p:txBody>
+          <a:bodyPr rtlCol="0" anchor="ctr"/>
+          <a:lstStyle/>
+          <a:p>
+            <a:pPr algn="ctr"/>
+            <a:endParaRPr lang="en-ID"/>
+          </a:p>
+        </p:txBody>
+      </p:sp>
+      <p:sp>
+        <p:nvSpPr>
+          <p:cNvPr id="622" name="TextBox 621">
+            <a:extLst>
+              <a:ext uri="{FF2B5EF4-FFF2-40B4-BE49-F238E27FC236}">
+                <a16:creationId xmlns:a16="http://schemas.microsoft.com/office/drawing/2014/main" id="{08DAF66E-FF89-4541-9769-5CE354B52280}"/>
+              </a:ext>
+            </a:extLst>
+          </p:cNvPr>
+          <p:cNvSpPr txBox="1"/>
+          <p:nvPr/>
+        </p:nvSpPr>
+        <p:spPr>
+          <a:xfrm>
+            <a:off x="278595" y="188636"/>
+            <a:ext cx="7863456" cy="923330"/>
+          </a:xfrm>
+          <a:prstGeom prst="rect">
+            <a:avLst/>
+          </a:prstGeom>
+          <a:noFill/>
+        </p:spPr>
+        <p:txBody>
+          <a:bodyPr wrap="square" rtlCol="0">
+            <a:spAutoFit/>
+          </a:bodyPr>
+          <a:lstStyle/>
+          <a:p>
+            <a:r>
+              <a:rPr lang="en-ID" sz="5400" dirty="0">
+                <a:solidFill>
+                  <a:schemeClr val="bg2"/>
+                </a:solidFill>
+                <a:latin typeface="Garamond" panose="02020404030301010803" pitchFamily="18" charset="0"/>
+                <a:ea typeface="Lato" panose="020F0502020204030203" pitchFamily="34" charset="0"/>
+                <a:cs typeface="Lato" panose="020F0502020204030203" pitchFamily="34" charset="0"/>
+              </a:rPr>
+              <a:t>Data Analysis</a:t>
+            </a:r>
+          </a:p>
+        </p:txBody>
+      </p:sp>
+      <p:sp>
+        <p:nvSpPr>
+          <p:cNvPr id="623" name="Rectangle 622">
+            <a:extLst>
+              <a:ext uri="{FF2B5EF4-FFF2-40B4-BE49-F238E27FC236}">
+                <a16:creationId xmlns:a16="http://schemas.microsoft.com/office/drawing/2014/main" id="{E219A4C3-61E8-4403-8CA4-AC80174485F8}"/>
+              </a:ext>
+            </a:extLst>
+          </p:cNvPr>
+          <p:cNvSpPr/>
+          <p:nvPr/>
+        </p:nvSpPr>
+        <p:spPr>
+          <a:xfrm>
+            <a:off x="327354" y="993340"/>
+            <a:ext cx="5571421" cy="477054"/>
+          </a:xfrm>
+          <a:prstGeom prst="rect">
+            <a:avLst/>
+          </a:prstGeom>
+        </p:spPr>
+        <p:txBody>
+          <a:bodyPr wrap="square">
+            <a:spAutoFit/>
+          </a:bodyPr>
+          <a:lstStyle/>
+          <a:p>
+            <a:r>
+              <a:rPr lang="en-ID" sz="2500" dirty="0">
+                <a:solidFill>
+                  <a:schemeClr val="bg2"/>
+                </a:solidFill>
+                <a:latin typeface="Garamond" panose="02020404030301010803" pitchFamily="18" charset="0"/>
+                <a:ea typeface="Lato Black" panose="020F0502020204030203" pitchFamily="34" charset="0"/>
+                <a:cs typeface="Lato Black" panose="020F0502020204030203" pitchFamily="34" charset="0"/>
+              </a:rPr>
+              <a:t>Best Value Wines</a:t>
+            </a:r>
+          </a:p>
+        </p:txBody>
+      </p:sp>
+      <p:sp>
+        <p:nvSpPr>
+          <p:cNvPr id="10" name="Rectangle 9">
+            <a:extLst>
+              <a:ext uri="{FF2B5EF4-FFF2-40B4-BE49-F238E27FC236}">
+                <a16:creationId xmlns:a16="http://schemas.microsoft.com/office/drawing/2014/main" id="{102F86A7-8A23-445E-B097-FE558222F592}"/>
+              </a:ext>
+            </a:extLst>
+          </p:cNvPr>
+          <p:cNvSpPr/>
+          <p:nvPr/>
+        </p:nvSpPr>
+        <p:spPr>
+          <a:xfrm>
+            <a:off x="8747222" y="1506386"/>
+            <a:ext cx="2764348" cy="3080330"/>
+          </a:xfrm>
+          <a:prstGeom prst="rect">
+            <a:avLst/>
+          </a:prstGeom>
+        </p:spPr>
+        <p:txBody>
+          <a:bodyPr wrap="square">
+            <a:spAutoFit/>
+          </a:bodyPr>
+          <a:lstStyle/>
+          <a:p>
+            <a:pPr marL="171450" indent="-171450">
+              <a:spcAft>
+                <a:spcPts val="500"/>
+              </a:spcAft>
+              <a:buFont typeface="Arial" panose="020B0604020202020204" pitchFamily="34" charset="0"/>
+              <a:buChar char="•"/>
+            </a:pPr>
+            <a:r>
+              <a:rPr lang="en-ID" sz="1500" dirty="0">
+                <a:latin typeface="Lato "/>
+                <a:ea typeface="Lato Black" panose="020F0502020204030203" pitchFamily="34" charset="0"/>
+                <a:cs typeface="Lato Black" panose="020F0502020204030203" pitchFamily="34" charset="0"/>
+              </a:rPr>
+              <a:t>Dry-sweet scale has been excluded from this as most red wines were classified as dry.</a:t>
+            </a:r>
+          </a:p>
+          <a:p>
+            <a:pPr marL="171450" indent="-171450">
+              <a:spcAft>
+                <a:spcPts val="500"/>
+              </a:spcAft>
+              <a:buFont typeface="Arial" panose="020B0604020202020204" pitchFamily="34" charset="0"/>
+              <a:buChar char="•"/>
+            </a:pPr>
+            <a:r>
+              <a:rPr lang="en-ID" sz="1500" dirty="0">
+                <a:latin typeface="Lato "/>
+                <a:ea typeface="Lato Black" panose="020F0502020204030203" pitchFamily="34" charset="0"/>
+                <a:cs typeface="Lato Black" panose="020F0502020204030203" pitchFamily="34" charset="0"/>
+              </a:rPr>
+              <a:t>Two big clusters</a:t>
+            </a:r>
+          </a:p>
+          <a:p>
+            <a:pPr marL="628650" lvl="1" indent="-171450">
+              <a:spcAft>
+                <a:spcPts val="500"/>
+              </a:spcAft>
+              <a:buFont typeface="Arial" panose="020B0604020202020204" pitchFamily="34" charset="0"/>
+              <a:buChar char="•"/>
+            </a:pPr>
+            <a:r>
+              <a:rPr lang="en-ID" sz="1500" dirty="0">
+                <a:latin typeface="Lato "/>
+                <a:ea typeface="Lato Black" panose="020F0502020204030203" pitchFamily="34" charset="0"/>
+                <a:cs typeface="Lato Black" panose="020F0502020204030203" pitchFamily="34" charset="0"/>
+              </a:rPr>
+              <a:t>Light-bold: 60-70</a:t>
+            </a:r>
+          </a:p>
+          <a:p>
+            <a:pPr lvl="1">
+              <a:spcAft>
+                <a:spcPts val="500"/>
+              </a:spcAft>
+            </a:pPr>
+            <a:r>
+              <a:rPr lang="en-ID" sz="1500" dirty="0">
+                <a:latin typeface="Lato "/>
+                <a:ea typeface="Lato Black" panose="020F0502020204030203" pitchFamily="34" charset="0"/>
+                <a:cs typeface="Lato Black" panose="020F0502020204030203" pitchFamily="34" charset="0"/>
+              </a:rPr>
+              <a:t>    Smooth-tannic: 20-40</a:t>
+            </a:r>
+          </a:p>
+          <a:p>
+            <a:pPr lvl="1">
+              <a:spcAft>
+                <a:spcPts val="500"/>
+              </a:spcAft>
+            </a:pPr>
+            <a:r>
+              <a:rPr lang="en-ID" sz="1500" dirty="0">
+                <a:latin typeface="Lato "/>
+                <a:ea typeface="Lato Black" panose="020F0502020204030203" pitchFamily="34" charset="0"/>
+                <a:cs typeface="Lato Black" panose="020F0502020204030203" pitchFamily="34" charset="0"/>
+              </a:rPr>
+              <a:t>    Soft-acidic: 60</a:t>
+            </a:r>
+          </a:p>
+          <a:p>
+            <a:pPr marL="628650" lvl="1" indent="-171450">
+              <a:spcAft>
+                <a:spcPts val="500"/>
+              </a:spcAft>
+              <a:buFont typeface="Arial" panose="020B0604020202020204" pitchFamily="34" charset="0"/>
+              <a:buChar char="•"/>
+            </a:pPr>
+            <a:r>
+              <a:rPr lang="en-ID" sz="1500" dirty="0">
+                <a:latin typeface="Lato "/>
+                <a:ea typeface="Lato Black" panose="020F0502020204030203" pitchFamily="34" charset="0"/>
+                <a:cs typeface="Lato Black" panose="020F0502020204030203" pitchFamily="34" charset="0"/>
+              </a:rPr>
+              <a:t>Light-bold: 90</a:t>
+            </a:r>
+          </a:p>
+          <a:p>
+            <a:pPr lvl="1">
+              <a:spcAft>
+                <a:spcPts val="500"/>
+              </a:spcAft>
+            </a:pPr>
+            <a:r>
+              <a:rPr lang="en-ID" sz="1500" dirty="0">
+                <a:latin typeface="Lato "/>
+                <a:ea typeface="Lato Black" panose="020F0502020204030203" pitchFamily="34" charset="0"/>
+                <a:cs typeface="Lato Black" panose="020F0502020204030203" pitchFamily="34" charset="0"/>
+              </a:rPr>
+              <a:t>    Smooth-tannic: 60</a:t>
+            </a:r>
+          </a:p>
+          <a:p>
+            <a:pPr lvl="1">
+              <a:spcAft>
+                <a:spcPts val="500"/>
+              </a:spcAft>
+            </a:pPr>
+            <a:r>
+              <a:rPr lang="en-ID" sz="1500" dirty="0">
+                <a:latin typeface="Lato "/>
+                <a:ea typeface="Lato Black" panose="020F0502020204030203" pitchFamily="34" charset="0"/>
+                <a:cs typeface="Lato Black" panose="020F0502020204030203" pitchFamily="34" charset="0"/>
+              </a:rPr>
+              <a:t>    Soft-acidic: 60</a:t>
+            </a:r>
+          </a:p>
+        </p:txBody>
+      </p:sp>
+      <p:pic>
+        <p:nvPicPr>
+          <p:cNvPr id="5" name="Picture 4" descr="Chart, scatter chart&#10;&#10;Description automatically generated">
+            <a:extLst>
+              <a:ext uri="{FF2B5EF4-FFF2-40B4-BE49-F238E27FC236}">
+                <a16:creationId xmlns:a16="http://schemas.microsoft.com/office/drawing/2014/main" id="{26A5C650-FC58-4B56-A718-1DB8CE0C5AA9}"/>
+              </a:ext>
+            </a:extLst>
+          </p:cNvPr>
+          <p:cNvPicPr>
+            <a:picLocks noChangeAspect="1"/>
+          </p:cNvPicPr>
+          <p:nvPr/>
+        </p:nvPicPr>
+        <p:blipFill>
+          <a:blip r:embed="rId2">
+            <a:extLst>
+              <a:ext uri="{28A0092B-C50C-407E-A947-70E740481C1C}">
+                <a14:useLocalDpi xmlns:a14="http://schemas.microsoft.com/office/drawing/2010/main" val="0"/>
+              </a:ext>
+            </a:extLst>
+          </a:blip>
+          <a:stretch>
+            <a:fillRect/>
+          </a:stretch>
+        </p:blipFill>
+        <p:spPr>
+          <a:xfrm>
+            <a:off x="345279" y="1523612"/>
+            <a:ext cx="4773567" cy="5139357"/>
+          </a:xfrm>
+          <a:prstGeom prst="rect">
+            <a:avLst/>
+          </a:prstGeom>
+        </p:spPr>
+      </p:pic>
+      <p:sp>
+        <p:nvSpPr>
+          <p:cNvPr id="7" name="TextBox 6">
+            <a:extLst>
+              <a:ext uri="{FF2B5EF4-FFF2-40B4-BE49-F238E27FC236}">
+                <a16:creationId xmlns:a16="http://schemas.microsoft.com/office/drawing/2014/main" id="{5CA3D23C-B15C-44A7-926F-C81E324AA8C9}"/>
+              </a:ext>
+            </a:extLst>
+          </p:cNvPr>
+          <p:cNvSpPr txBox="1"/>
+          <p:nvPr/>
+        </p:nvSpPr>
+        <p:spPr>
+          <a:xfrm rot="16384453">
+            <a:off x="3944470" y="3451413"/>
+            <a:ext cx="1927412" cy="369332"/>
+          </a:xfrm>
+          <a:prstGeom prst="rect">
+            <a:avLst/>
+          </a:prstGeom>
+          <a:noFill/>
+        </p:spPr>
+        <p:txBody>
+          <a:bodyPr wrap="square" rtlCol="0">
+            <a:spAutoFit/>
+          </a:bodyPr>
+          <a:lstStyle/>
+          <a:p>
+            <a:r>
+              <a:rPr lang="en-US" dirty="0">
+                <a:solidFill>
+                  <a:schemeClr val="tx1">
+                    <a:lumMod val="75000"/>
+                    <a:lumOff val="25000"/>
+                  </a:schemeClr>
+                </a:solidFill>
+                <a:latin typeface="Arial" panose="020B0604020202020204" pitchFamily="34" charset="0"/>
+                <a:cs typeface="Arial" panose="020B0604020202020204" pitchFamily="34" charset="0"/>
+              </a:rPr>
+              <a:t>Light-Bold Scale</a:t>
+            </a:r>
+          </a:p>
+        </p:txBody>
+      </p:sp>
+    </p:spTree>
+    <p:extLst>
+      <p:ext uri="{BB962C8B-B14F-4D97-AF65-F5344CB8AC3E}">
+        <p14:creationId xmlns:p14="http://schemas.microsoft.com/office/powerpoint/2010/main" val="2805302099"/>
+      </p:ext>
+    </p:extLst>
+  </p:cSld>
+  <p:clrMapOvr>
+    <a:masterClrMapping/>
+  </p:clrMapOvr>
+</p:sld>
+</file>
+
+<file path=ppt/slides/slide19.xml><?xml version="1.0" encoding="utf-8"?>
+<p:sld xmlns:a="http://schemas.openxmlformats.org/drawingml/2006/main" xmlns:r="http://schemas.openxmlformats.org/officeDocument/2006/relationships" xmlns:p="http://schemas.openxmlformats.org/presentationml/2006/main">
+  <p:cSld>
+    <p:spTree>
+      <p:nvGrpSpPr>
+        <p:cNvPr id="1" name=""/>
+        <p:cNvGrpSpPr/>
+        <p:nvPr/>
+      </p:nvGrpSpPr>
+      <p:grpSpPr>
+        <a:xfrm>
+          <a:off x="0" y="0"/>
+          <a:ext cx="0" cy="0"/>
+          <a:chOff x="0" y="0"/>
+          <a:chExt cx="0" cy="0"/>
+        </a:xfrm>
+      </p:grpSpPr>
+      <p:sp>
+        <p:nvSpPr>
+          <p:cNvPr id="12" name="Flowchart: Process 11">
+            <a:extLst>
+              <a:ext uri="{FF2B5EF4-FFF2-40B4-BE49-F238E27FC236}">
+                <a16:creationId xmlns:a16="http://schemas.microsoft.com/office/drawing/2014/main" id="{552ADCF6-4345-41BB-BFD6-E8A08A0B4906}"/>
+              </a:ext>
+            </a:extLst>
+          </p:cNvPr>
+          <p:cNvSpPr/>
+          <p:nvPr/>
+        </p:nvSpPr>
+        <p:spPr>
+          <a:xfrm>
+            <a:off x="404086" y="0"/>
+            <a:ext cx="3215414" cy="6874232"/>
+          </a:xfrm>
+          <a:prstGeom prst="flowChartProcess">
+            <a:avLst/>
+          </a:prstGeom>
+        </p:spPr>
+        <p:style>
+          <a:lnRef idx="2">
+            <a:schemeClr val="accent1">
+              <a:shade val="50000"/>
+            </a:schemeClr>
+          </a:lnRef>
+          <a:fillRef idx="1">
+            <a:schemeClr val="accent1"/>
+          </a:fillRef>
+          <a:effectRef idx="0">
+            <a:schemeClr val="accent1"/>
+          </a:effectRef>
+          <a:fontRef idx="minor">
+            <a:schemeClr val="lt1"/>
+          </a:fontRef>
+        </p:style>
+        <p:txBody>
+          <a:bodyPr rtlCol="0" anchor="ctr"/>
+          <a:lstStyle/>
+          <a:p>
+            <a:pPr algn="ctr"/>
+            <a:endParaRPr lang="en-ID"/>
+          </a:p>
+        </p:txBody>
+      </p:sp>
+      <p:sp>
+        <p:nvSpPr>
+          <p:cNvPr id="13" name="Flowchart: Process 12">
+            <a:extLst>
+              <a:ext uri="{FF2B5EF4-FFF2-40B4-BE49-F238E27FC236}">
+                <a16:creationId xmlns:a16="http://schemas.microsoft.com/office/drawing/2014/main" id="{C1C640CB-DCD9-4E44-A5FC-D394962D263D}"/>
+              </a:ext>
+            </a:extLst>
+          </p:cNvPr>
+          <p:cNvSpPr/>
+          <p:nvPr/>
+        </p:nvSpPr>
+        <p:spPr>
+          <a:xfrm>
+            <a:off x="0" y="3428998"/>
+            <a:ext cx="12192000" cy="3028954"/>
+          </a:xfrm>
+          <a:prstGeom prst="flowChartProcess">
+            <a:avLst/>
+          </a:prstGeom>
+          <a:solidFill>
+            <a:srgbClr val="AD122D"/>
+          </a:solidFill>
+          <a:ln/>
+        </p:spPr>
+        <p:style>
+          <a:lnRef idx="2">
+            <a:schemeClr val="dk1">
+              <a:shade val="50000"/>
+            </a:schemeClr>
+          </a:lnRef>
+          <a:fillRef idx="1">
+            <a:schemeClr val="dk1"/>
+          </a:fillRef>
+          <a:effectRef idx="0">
+            <a:schemeClr val="dk1"/>
+          </a:effectRef>
+          <a:fontRef idx="minor">
+            <a:schemeClr val="lt1"/>
+          </a:fontRef>
+        </p:style>
+        <p:txBody>
+          <a:bodyPr rtlCol="0" anchor="ctr"/>
+          <a:lstStyle/>
+          <a:p>
+            <a:pPr algn="ctr"/>
+            <a:endParaRPr lang="en-ID"/>
+          </a:p>
+        </p:txBody>
+      </p:sp>
+      <p:sp>
+        <p:nvSpPr>
+          <p:cNvPr id="14" name="Rectangle 13">
+            <a:extLst>
+              <a:ext uri="{FF2B5EF4-FFF2-40B4-BE49-F238E27FC236}">
+                <a16:creationId xmlns:a16="http://schemas.microsoft.com/office/drawing/2014/main" id="{BEC37CC8-91E3-4DB5-A30B-582D8F917B34}"/>
+              </a:ext>
+            </a:extLst>
+          </p:cNvPr>
+          <p:cNvSpPr/>
+          <p:nvPr/>
+        </p:nvSpPr>
+        <p:spPr>
+          <a:xfrm>
+            <a:off x="5164346" y="3738196"/>
+            <a:ext cx="5129821" cy="2831544"/>
+          </a:xfrm>
+          <a:prstGeom prst="rect">
+            <a:avLst/>
+          </a:prstGeom>
+        </p:spPr>
+        <p:txBody>
+          <a:bodyPr wrap="square">
+            <a:spAutoFit/>
+          </a:bodyPr>
+          <a:lstStyle/>
+          <a:p>
+            <a:pPr algn="just">
+              <a:spcAft>
+                <a:spcPts val="600"/>
+              </a:spcAft>
+            </a:pPr>
+            <a:r>
+              <a:rPr lang="en-ID" sz="1300" dirty="0">
+                <a:solidFill>
+                  <a:schemeClr val="bg2"/>
+                </a:solidFill>
+                <a:latin typeface="Lato "/>
+                <a:ea typeface="Lato Black" panose="020F0502020204030203" pitchFamily="34" charset="0"/>
+                <a:cs typeface="Lato Black" panose="020F0502020204030203" pitchFamily="34" charset="0"/>
+              </a:rPr>
+              <a:t>If you are just getting into wine and are looking for best value wine (rating greater than 4.5 and price under $100), look for the following traits:</a:t>
+            </a:r>
+          </a:p>
+          <a:p>
+            <a:pPr marL="171450" indent="-171450" algn="just">
+              <a:spcAft>
+                <a:spcPts val="600"/>
+              </a:spcAft>
+              <a:buFont typeface="Arial" panose="020B0604020202020204" pitchFamily="34" charset="0"/>
+              <a:buChar char="•"/>
+            </a:pPr>
+            <a:r>
+              <a:rPr lang="en-ID" sz="1300" dirty="0">
+                <a:solidFill>
+                  <a:schemeClr val="bg2"/>
+                </a:solidFill>
+                <a:latin typeface="Lato "/>
+                <a:ea typeface="Lato Black" panose="020F0502020204030203" pitchFamily="34" charset="0"/>
+                <a:cs typeface="Lato Black" panose="020F0502020204030203" pitchFamily="34" charset="0"/>
+              </a:rPr>
+              <a:t>From United States</a:t>
+            </a:r>
+          </a:p>
+          <a:p>
+            <a:pPr marL="171450" indent="-171450" algn="just">
+              <a:spcAft>
+                <a:spcPts val="600"/>
+              </a:spcAft>
+              <a:buFont typeface="Arial" panose="020B0604020202020204" pitchFamily="34" charset="0"/>
+              <a:buChar char="•"/>
+            </a:pPr>
+            <a:r>
+              <a:rPr lang="en-ID" sz="1300" dirty="0">
+                <a:solidFill>
+                  <a:schemeClr val="bg2"/>
+                </a:solidFill>
+                <a:latin typeface="Lato "/>
+                <a:ea typeface="Lato Black" panose="020F0502020204030203" pitchFamily="34" charset="0"/>
+                <a:cs typeface="Lato Black" panose="020F0502020204030203" pitchFamily="34" charset="0"/>
+              </a:rPr>
+              <a:t>Light-bold scale &gt; 80</a:t>
+            </a:r>
+          </a:p>
+          <a:p>
+            <a:pPr marL="171450" indent="-171450" algn="just">
+              <a:spcAft>
+                <a:spcPts val="600"/>
+              </a:spcAft>
+              <a:buFont typeface="Arial" panose="020B0604020202020204" pitchFamily="34" charset="0"/>
+              <a:buChar char="•"/>
+            </a:pPr>
+            <a:r>
+              <a:rPr lang="en-US" sz="1300" dirty="0">
+                <a:solidFill>
+                  <a:schemeClr val="bg2"/>
+                </a:solidFill>
+                <a:latin typeface="Lato "/>
+                <a:ea typeface="Lato Black" panose="020F0502020204030203" pitchFamily="34" charset="0"/>
+                <a:cs typeface="Lato Black" panose="020F0502020204030203" pitchFamily="34" charset="0"/>
+              </a:rPr>
+              <a:t>Smooth-tannic scale between 50 and 70</a:t>
+            </a:r>
+          </a:p>
+          <a:p>
+            <a:pPr marL="171450" indent="-171450" algn="just">
+              <a:spcAft>
+                <a:spcPts val="600"/>
+              </a:spcAft>
+              <a:buFont typeface="Arial" panose="020B0604020202020204" pitchFamily="34" charset="0"/>
+              <a:buChar char="•"/>
+            </a:pPr>
+            <a:r>
+              <a:rPr lang="en-ID" sz="1300" dirty="0">
+                <a:solidFill>
+                  <a:schemeClr val="bg2"/>
+                </a:solidFill>
+                <a:latin typeface="Lato "/>
+                <a:ea typeface="Lato Black" panose="020F0502020204030203" pitchFamily="34" charset="0"/>
+                <a:cs typeface="Lato Black" panose="020F0502020204030203" pitchFamily="34" charset="0"/>
+              </a:rPr>
+              <a:t>Dry-sweet scale &lt; 15</a:t>
+            </a:r>
+          </a:p>
+          <a:p>
+            <a:pPr marL="171450" indent="-171450" algn="just">
+              <a:spcAft>
+                <a:spcPts val="600"/>
+              </a:spcAft>
+              <a:buFont typeface="Arial" panose="020B0604020202020204" pitchFamily="34" charset="0"/>
+              <a:buChar char="•"/>
+            </a:pPr>
+            <a:r>
+              <a:rPr lang="en-US" sz="1300" dirty="0">
+                <a:solidFill>
+                  <a:schemeClr val="bg2"/>
+                </a:solidFill>
+                <a:latin typeface="Lato "/>
+                <a:ea typeface="Lato Black" panose="020F0502020204030203" pitchFamily="34" charset="0"/>
+                <a:cs typeface="Lato Black" panose="020F0502020204030203" pitchFamily="34" charset="0"/>
+              </a:rPr>
+              <a:t>Soft-acidic scale between 50 and 70</a:t>
+            </a:r>
+          </a:p>
+          <a:p>
+            <a:pPr marL="171450" indent="-171450" algn="just">
+              <a:buFont typeface="Arial" panose="020B0604020202020204" pitchFamily="34" charset="0"/>
+              <a:buChar char="•"/>
+            </a:pPr>
+            <a:endParaRPr lang="en-ID" sz="1100" dirty="0">
+              <a:solidFill>
+                <a:schemeClr val="bg2"/>
+              </a:solidFill>
+              <a:latin typeface="Lato "/>
+              <a:ea typeface="Lato Black" panose="020F0502020204030203" pitchFamily="34" charset="0"/>
+              <a:cs typeface="Lato Black" panose="020F0502020204030203" pitchFamily="34" charset="0"/>
+            </a:endParaRPr>
+          </a:p>
+          <a:p>
+            <a:pPr marL="171450" indent="-171450" algn="just">
+              <a:buFont typeface="Arial" panose="020B0604020202020204" pitchFamily="34" charset="0"/>
+              <a:buChar char="•"/>
+            </a:pPr>
+            <a:endParaRPr lang="en-ID" sz="1100" dirty="0">
+              <a:solidFill>
+                <a:schemeClr val="bg2"/>
+              </a:solidFill>
+              <a:latin typeface="Lato "/>
+              <a:ea typeface="Lato Black" panose="020F0502020204030203" pitchFamily="34" charset="0"/>
+              <a:cs typeface="Lato Black" panose="020F0502020204030203" pitchFamily="34" charset="0"/>
+            </a:endParaRPr>
+          </a:p>
+          <a:p>
+            <a:pPr marL="171450" indent="-171450" algn="just">
+              <a:buFont typeface="Arial" panose="020B0604020202020204" pitchFamily="34" charset="0"/>
+              <a:buChar char="•"/>
+            </a:pPr>
+            <a:endParaRPr lang="en-ID" sz="1100" dirty="0">
+              <a:solidFill>
+                <a:schemeClr val="bg2"/>
+              </a:solidFill>
+              <a:latin typeface="Lato "/>
+              <a:ea typeface="Lato Black" panose="020F0502020204030203" pitchFamily="34" charset="0"/>
+              <a:cs typeface="Lato Black" panose="020F0502020204030203" pitchFamily="34" charset="0"/>
+            </a:endParaRPr>
+          </a:p>
+          <a:p>
+            <a:pPr algn="just"/>
+            <a:endParaRPr lang="en-ID" sz="1100" dirty="0">
+              <a:solidFill>
+                <a:schemeClr val="bg2"/>
+              </a:solidFill>
+              <a:latin typeface="Lato "/>
+              <a:ea typeface="Lato Black" panose="020F0502020204030203" pitchFamily="34" charset="0"/>
+              <a:cs typeface="Lato Black" panose="020F0502020204030203" pitchFamily="34" charset="0"/>
+            </a:endParaRPr>
+          </a:p>
+        </p:txBody>
+      </p:sp>
+      <p:sp>
+        <p:nvSpPr>
+          <p:cNvPr id="15" name="Rectangle 14">
+            <a:extLst>
+              <a:ext uri="{FF2B5EF4-FFF2-40B4-BE49-F238E27FC236}">
+                <a16:creationId xmlns:a16="http://schemas.microsoft.com/office/drawing/2014/main" id="{FC88BD55-2D8C-4EFE-A796-477F31C7A157}"/>
+              </a:ext>
+            </a:extLst>
+          </p:cNvPr>
+          <p:cNvSpPr/>
+          <p:nvPr/>
+        </p:nvSpPr>
+        <p:spPr>
+          <a:xfrm>
+            <a:off x="5164346" y="1566378"/>
+            <a:ext cx="5164419" cy="1754326"/>
+          </a:xfrm>
+          <a:prstGeom prst="rect">
+            <a:avLst/>
+          </a:prstGeom>
+        </p:spPr>
+        <p:txBody>
+          <a:bodyPr wrap="square">
+            <a:spAutoFit/>
+          </a:bodyPr>
+          <a:lstStyle/>
+          <a:p>
+            <a:r>
+              <a:rPr lang="en-ID" sz="3600" dirty="0">
                 <a:solidFill>
                   <a:schemeClr val="tx2"/>
                 </a:solidFill>
@@ -18598,173 +20317,51 @@
                 <a:ea typeface="Lato Black" panose="020F0502020204030203" pitchFamily="34" charset="0"/>
                 <a:cs typeface="Lato Black" panose="020F0502020204030203" pitchFamily="34" charset="0"/>
               </a:rPr>
-              <a:t>Any questions or comments?</a:t>
+              <a:t>You don’t need to pay hundreds of dollars to enjoy good wine!</a:t>
             </a:r>
           </a:p>
         </p:txBody>
       </p:sp>
-      <p:sp>
-        <p:nvSpPr>
-          <p:cNvPr id="8" name="Rectangle 7">
+      <p:pic>
+        <p:nvPicPr>
+          <p:cNvPr id="11" name="Picture Placeholder 10" descr="A red liquid being poured into a glass&#10;&#10;Description automatically generated with low confidence">
             <a:extLst>
               <a:ext uri="{FF2B5EF4-FFF2-40B4-BE49-F238E27FC236}">
-                <a16:creationId xmlns:a16="http://schemas.microsoft.com/office/drawing/2014/main" id="{ACB1B91D-6AD0-4C11-87C4-8F854702A238}"/>
+                <a16:creationId xmlns:a16="http://schemas.microsoft.com/office/drawing/2014/main" id="{024B7F3B-51B8-470C-B81B-D3DC1F244DB9}"/>
               </a:ext>
             </a:extLst>
           </p:cNvPr>
-          <p:cNvSpPr/>
-          <p:nvPr/>
-        </p:nvSpPr>
+          <p:cNvPicPr>
+            <a:picLocks noGrp="1" noChangeAspect="1"/>
+          </p:cNvPicPr>
+          <p:nvPr>
+            <p:ph type="pic" sz="quarter" idx="10"/>
+          </p:nvPr>
+        </p:nvPicPr>
+        <p:blipFill>
+          <a:blip r:embed="rId2">
+            <a:extLst>
+              <a:ext uri="{28A0092B-C50C-407E-A947-70E740481C1C}">
+                <a14:useLocalDpi xmlns:a14="http://schemas.microsoft.com/office/drawing/2010/main" val="0"/>
+              </a:ext>
+            </a:extLst>
+          </a:blip>
+          <a:srcRect l="5133" r="5133"/>
+          <a:stretch>
+            <a:fillRect/>
+          </a:stretch>
+        </p:blipFill>
         <p:spPr>
           <a:xfrm>
-            <a:off x="758609" y="4213474"/>
-            <a:ext cx="5467093" cy="1292662"/>
-          </a:xfrm>
-          <a:prstGeom prst="rect">
-            <a:avLst/>
-          </a:prstGeom>
-        </p:spPr>
-        <p:txBody>
-          <a:bodyPr wrap="square">
-            <a:spAutoFit/>
-          </a:bodyPr>
-          <a:lstStyle/>
-          <a:p>
-            <a:pPr algn="just"/>
-            <a:r>
-              <a:rPr lang="en-ID" sz="1300" dirty="0">
-                <a:solidFill>
-                  <a:schemeClr val="tx2"/>
-                </a:solidFill>
-                <a:latin typeface="Lato "/>
-                <a:ea typeface="Lato Black" panose="020F0502020204030203" pitchFamily="34" charset="0"/>
-                <a:cs typeface="Lato Black" panose="020F0502020204030203" pitchFamily="34" charset="0"/>
-              </a:rPr>
-              <a:t>Author Contact Information</a:t>
-            </a:r>
-          </a:p>
-          <a:p>
-            <a:pPr marL="171450" indent="-171450" algn="just">
-              <a:buFont typeface="Arial" panose="020B0604020202020204" pitchFamily="34" charset="0"/>
-              <a:buChar char="•"/>
-            </a:pPr>
-            <a:r>
-              <a:rPr lang="en-ID" sz="1300" dirty="0">
-                <a:solidFill>
-                  <a:schemeClr val="tx2"/>
-                </a:solidFill>
-                <a:latin typeface="Lato "/>
-                <a:ea typeface="Lato Black" panose="020F0502020204030203" pitchFamily="34" charset="0"/>
-                <a:cs typeface="Lato Black" panose="020F0502020204030203" pitchFamily="34" charset="0"/>
-              </a:rPr>
-              <a:t>LinkedIn: </a:t>
-            </a:r>
-            <a:r>
-              <a:rPr lang="en-ID" sz="1300" dirty="0">
-                <a:solidFill>
-                  <a:schemeClr val="tx2"/>
-                </a:solidFill>
-                <a:latin typeface="Lato "/>
-                <a:ea typeface="Lato Black" panose="020F0502020204030203" pitchFamily="34" charset="0"/>
-                <a:cs typeface="Lato Black" panose="020F0502020204030203" pitchFamily="34" charset="0"/>
-                <a:hlinkClick r:id="rId2"/>
-              </a:rPr>
-              <a:t>https://www.linkedin.com/in/williamjeongwoohan/</a:t>
-            </a:r>
-            <a:endParaRPr lang="en-ID" sz="1300" dirty="0">
-              <a:solidFill>
-                <a:schemeClr val="tx2"/>
-              </a:solidFill>
-              <a:latin typeface="Lato "/>
-              <a:ea typeface="Lato Black" panose="020F0502020204030203" pitchFamily="34" charset="0"/>
-              <a:cs typeface="Lato Black" panose="020F0502020204030203" pitchFamily="34" charset="0"/>
-            </a:endParaRPr>
-          </a:p>
-          <a:p>
-            <a:pPr marL="171450" indent="-171450" algn="just">
-              <a:buFont typeface="Arial" panose="020B0604020202020204" pitchFamily="34" charset="0"/>
-              <a:buChar char="•"/>
-            </a:pPr>
-            <a:r>
-              <a:rPr lang="en-ID" sz="1300" dirty="0">
-                <a:solidFill>
-                  <a:schemeClr val="tx2"/>
-                </a:solidFill>
-                <a:latin typeface="Lato "/>
-                <a:ea typeface="Lato Black" panose="020F0502020204030203" pitchFamily="34" charset="0"/>
-                <a:cs typeface="Lato Black" panose="020F0502020204030203" pitchFamily="34" charset="0"/>
-              </a:rPr>
-              <a:t>GitHub: </a:t>
-            </a:r>
-            <a:r>
-              <a:rPr lang="en-ID" sz="1300" dirty="0">
-                <a:solidFill>
-                  <a:schemeClr val="tx2"/>
-                </a:solidFill>
-                <a:latin typeface="Lato "/>
-                <a:ea typeface="Lato Black" panose="020F0502020204030203" pitchFamily="34" charset="0"/>
-                <a:cs typeface="Lato Black" panose="020F0502020204030203" pitchFamily="34" charset="0"/>
-                <a:hlinkClick r:id="rId3"/>
-              </a:rPr>
-              <a:t>https://github.com/WilliamJHan</a:t>
-            </a:r>
-            <a:endParaRPr lang="en-ID" sz="1300" dirty="0">
-              <a:solidFill>
-                <a:schemeClr val="tx2"/>
-              </a:solidFill>
-              <a:latin typeface="Lato "/>
-              <a:ea typeface="Lato Black" panose="020F0502020204030203" pitchFamily="34" charset="0"/>
-              <a:cs typeface="Lato Black" panose="020F0502020204030203" pitchFamily="34" charset="0"/>
-            </a:endParaRPr>
-          </a:p>
-          <a:p>
-            <a:pPr marL="171450" indent="-171450" algn="just">
-              <a:buFont typeface="Arial" panose="020B0604020202020204" pitchFamily="34" charset="0"/>
-              <a:buChar char="•"/>
-            </a:pPr>
-            <a:r>
-              <a:rPr lang="en-ID" sz="1300" dirty="0">
-                <a:solidFill>
-                  <a:schemeClr val="tx2"/>
-                </a:solidFill>
-                <a:latin typeface="Lato "/>
-                <a:ea typeface="Lato Black" panose="020F0502020204030203" pitchFamily="34" charset="0"/>
-                <a:cs typeface="Lato Black" panose="020F0502020204030203" pitchFamily="34" charset="0"/>
-              </a:rPr>
-              <a:t>Email: william.jeongwoo.han@gmail.com</a:t>
-            </a:r>
-          </a:p>
-          <a:p>
-            <a:pPr marL="171450" indent="-171450" algn="just">
-              <a:buFont typeface="Arial" panose="020B0604020202020204" pitchFamily="34" charset="0"/>
-              <a:buChar char="•"/>
-            </a:pPr>
-            <a:endParaRPr lang="en-ID" sz="1500" dirty="0">
-              <a:solidFill>
-                <a:schemeClr val="tx2"/>
-              </a:solidFill>
-              <a:latin typeface="Lato "/>
-              <a:ea typeface="Lato Black" panose="020F0502020204030203" pitchFamily="34" charset="0"/>
-              <a:cs typeface="Lato Black" panose="020F0502020204030203" pitchFamily="34" charset="0"/>
-            </a:endParaRPr>
-          </a:p>
-          <a:p>
-            <a:pPr algn="just"/>
-            <a:endParaRPr lang="en-ID" sz="1100" dirty="0">
-              <a:solidFill>
-                <a:schemeClr val="tx2"/>
-              </a:solidFill>
-              <a:latin typeface="Lato "/>
-              <a:ea typeface="Lato Black" panose="020F0502020204030203" pitchFamily="34" charset="0"/>
-              <a:cs typeface="Lato Black" panose="020F0502020204030203" pitchFamily="34" charset="0"/>
-            </a:endParaRPr>
-          </a:p>
-        </p:txBody>
-      </p:sp>
+            <a:off x="677726" y="3861874"/>
+            <a:ext cx="2668134" cy="2116463"/>
+          </a:xfrm>
+        </p:spPr>
+      </p:pic>
     </p:spTree>
     <p:extLst>
       <p:ext uri="{BB962C8B-B14F-4D97-AF65-F5344CB8AC3E}">
-        <p14:creationId xmlns:p14="http://schemas.microsoft.com/office/powerpoint/2010/main" val="39737859"/>
+        <p14:creationId xmlns:p14="http://schemas.microsoft.com/office/powerpoint/2010/main" val="149743223"/>
       </p:ext>
     </p:extLst>
   </p:cSld>
@@ -21093,6 +22690,675 @@
 </p:sld>
 </file>
 
+<file path=ppt/slides/slide20.xml><?xml version="1.0" encoding="utf-8"?>
+<p:sld xmlns:a="http://schemas.openxmlformats.org/drawingml/2006/main" xmlns:r="http://schemas.openxmlformats.org/officeDocument/2006/relationships" xmlns:p="http://schemas.openxmlformats.org/presentationml/2006/main">
+  <p:cSld>
+    <p:spTree>
+      <p:nvGrpSpPr>
+        <p:cNvPr id="1" name=""/>
+        <p:cNvGrpSpPr/>
+        <p:nvPr/>
+      </p:nvGrpSpPr>
+      <p:grpSpPr>
+        <a:xfrm>
+          <a:off x="0" y="0"/>
+          <a:ext cx="0" cy="0"/>
+          <a:chOff x="0" y="0"/>
+          <a:chExt cx="0" cy="0"/>
+        </a:xfrm>
+      </p:grpSpPr>
+      <p:sp>
+        <p:nvSpPr>
+          <p:cNvPr id="4" name="TextBox 3">
+            <a:extLst>
+              <a:ext uri="{FF2B5EF4-FFF2-40B4-BE49-F238E27FC236}">
+                <a16:creationId xmlns:a16="http://schemas.microsoft.com/office/drawing/2014/main" id="{9674B451-EECB-4896-9769-6EC3EE887C97}"/>
+              </a:ext>
+            </a:extLst>
+          </p:cNvPr>
+          <p:cNvSpPr txBox="1"/>
+          <p:nvPr/>
+        </p:nvSpPr>
+        <p:spPr>
+          <a:xfrm>
+            <a:off x="915584" y="278640"/>
+            <a:ext cx="9716557" cy="923330"/>
+          </a:xfrm>
+          <a:prstGeom prst="rect">
+            <a:avLst/>
+          </a:prstGeom>
+          <a:noFill/>
+        </p:spPr>
+        <p:txBody>
+          <a:bodyPr wrap="square" rtlCol="0">
+            <a:spAutoFit/>
+          </a:bodyPr>
+          <a:lstStyle/>
+          <a:p>
+            <a:pPr algn="ctr"/>
+            <a:r>
+              <a:rPr lang="en-ID" sz="5400" dirty="0">
+                <a:solidFill>
+                  <a:schemeClr val="tx2"/>
+                </a:solidFill>
+                <a:latin typeface="Garamond" panose="02020404030301010803" pitchFamily="18" charset="0"/>
+                <a:ea typeface="Lato" panose="020F0502020204030203" pitchFamily="34" charset="0"/>
+                <a:cs typeface="Lato" panose="020F0502020204030203" pitchFamily="34" charset="0"/>
+              </a:rPr>
+              <a:t>Best Value Wine Recommendations</a:t>
+            </a:r>
+          </a:p>
+        </p:txBody>
+      </p:sp>
+      <p:sp>
+        <p:nvSpPr>
+          <p:cNvPr id="7" name="Rectangle 6">
+            <a:extLst>
+              <a:ext uri="{FF2B5EF4-FFF2-40B4-BE49-F238E27FC236}">
+                <a16:creationId xmlns:a16="http://schemas.microsoft.com/office/drawing/2014/main" id="{941A60B2-BB8F-4F3C-A9E8-3FA622AFDFB4}"/>
+              </a:ext>
+            </a:extLst>
+          </p:cNvPr>
+          <p:cNvSpPr/>
+          <p:nvPr/>
+        </p:nvSpPr>
+        <p:spPr>
+          <a:xfrm>
+            <a:off x="11615929" y="3523742"/>
+            <a:ext cx="130627" cy="3265714"/>
+          </a:xfrm>
+          <a:prstGeom prst="rect">
+            <a:avLst/>
+          </a:prstGeom>
+          <a:solidFill>
+            <a:schemeClr val="accent1"/>
+          </a:solidFill>
+          <a:ln>
+            <a:noFill/>
+          </a:ln>
+        </p:spPr>
+        <p:style>
+          <a:lnRef idx="2">
+            <a:schemeClr val="accent1">
+              <a:shade val="50000"/>
+            </a:schemeClr>
+          </a:lnRef>
+          <a:fillRef idx="1">
+            <a:schemeClr val="accent1"/>
+          </a:fillRef>
+          <a:effectRef idx="0">
+            <a:schemeClr val="accent1"/>
+          </a:effectRef>
+          <a:fontRef idx="minor">
+            <a:schemeClr val="lt1"/>
+          </a:fontRef>
+        </p:style>
+        <p:txBody>
+          <a:bodyPr rtlCol="0" anchor="ctr"/>
+          <a:lstStyle/>
+          <a:p>
+            <a:pPr algn="ctr"/>
+            <a:endParaRPr lang="en-ID"/>
+          </a:p>
+        </p:txBody>
+      </p:sp>
+      <p:sp>
+        <p:nvSpPr>
+          <p:cNvPr id="8" name="Rectangle 7">
+            <a:extLst>
+              <a:ext uri="{FF2B5EF4-FFF2-40B4-BE49-F238E27FC236}">
+                <a16:creationId xmlns:a16="http://schemas.microsoft.com/office/drawing/2014/main" id="{5669A98C-D671-493F-8471-260A0A582B98}"/>
+              </a:ext>
+            </a:extLst>
+          </p:cNvPr>
+          <p:cNvSpPr/>
+          <p:nvPr/>
+        </p:nvSpPr>
+        <p:spPr>
+          <a:xfrm rot="5400000">
+            <a:off x="10403986" y="4717543"/>
+            <a:ext cx="130627" cy="3265714"/>
+          </a:xfrm>
+          <a:prstGeom prst="rect">
+            <a:avLst/>
+          </a:prstGeom>
+          <a:solidFill>
+            <a:schemeClr val="accent1"/>
+          </a:solidFill>
+          <a:ln>
+            <a:noFill/>
+          </a:ln>
+        </p:spPr>
+        <p:style>
+          <a:lnRef idx="2">
+            <a:schemeClr val="accent1">
+              <a:shade val="50000"/>
+            </a:schemeClr>
+          </a:lnRef>
+          <a:fillRef idx="1">
+            <a:schemeClr val="accent1"/>
+          </a:fillRef>
+          <a:effectRef idx="0">
+            <a:schemeClr val="accent1"/>
+          </a:effectRef>
+          <a:fontRef idx="minor">
+            <a:schemeClr val="lt1"/>
+          </a:fontRef>
+        </p:style>
+        <p:txBody>
+          <a:bodyPr rtlCol="0" anchor="ctr"/>
+          <a:lstStyle/>
+          <a:p>
+            <a:pPr algn="ctr"/>
+            <a:endParaRPr lang="en-ID"/>
+          </a:p>
+        </p:txBody>
+      </p:sp>
+      <p:sp>
+        <p:nvSpPr>
+          <p:cNvPr id="15" name="Rectangle 14">
+            <a:extLst>
+              <a:ext uri="{FF2B5EF4-FFF2-40B4-BE49-F238E27FC236}">
+                <a16:creationId xmlns:a16="http://schemas.microsoft.com/office/drawing/2014/main" id="{EF4867AD-965F-4DF5-BC1A-BCD20C366C4B}"/>
+              </a:ext>
+            </a:extLst>
+          </p:cNvPr>
+          <p:cNvSpPr/>
+          <p:nvPr/>
+        </p:nvSpPr>
+        <p:spPr>
+          <a:xfrm>
+            <a:off x="275773" y="0"/>
+            <a:ext cx="232228" cy="6858000"/>
+          </a:xfrm>
+          <a:prstGeom prst="rect">
+            <a:avLst/>
+          </a:prstGeom>
+          <a:solidFill>
+            <a:schemeClr val="accent1"/>
+          </a:solidFill>
+          <a:ln>
+            <a:noFill/>
+          </a:ln>
+        </p:spPr>
+        <p:style>
+          <a:lnRef idx="2">
+            <a:schemeClr val="accent1">
+              <a:shade val="50000"/>
+            </a:schemeClr>
+          </a:lnRef>
+          <a:fillRef idx="1">
+            <a:schemeClr val="accent1"/>
+          </a:fillRef>
+          <a:effectRef idx="0">
+            <a:schemeClr val="accent1"/>
+          </a:effectRef>
+          <a:fontRef idx="minor">
+            <a:schemeClr val="lt1"/>
+          </a:fontRef>
+        </p:style>
+        <p:txBody>
+          <a:bodyPr rtlCol="0" anchor="ctr"/>
+          <a:lstStyle/>
+          <a:p>
+            <a:pPr algn="ctr"/>
+            <a:endParaRPr lang="en-ID"/>
+          </a:p>
+        </p:txBody>
+      </p:sp>
+      <p:pic>
+        <p:nvPicPr>
+          <p:cNvPr id="10" name="Picture 9">
+            <a:extLst>
+              <a:ext uri="{FF2B5EF4-FFF2-40B4-BE49-F238E27FC236}">
+                <a16:creationId xmlns:a16="http://schemas.microsoft.com/office/drawing/2014/main" id="{2124BDD5-482F-48CD-82E3-995BF164396B}"/>
+              </a:ext>
+            </a:extLst>
+          </p:cNvPr>
+          <p:cNvPicPr>
+            <a:picLocks noChangeAspect="1"/>
+          </p:cNvPicPr>
+          <p:nvPr/>
+        </p:nvPicPr>
+        <p:blipFill>
+          <a:blip r:embed="rId2"/>
+          <a:stretch>
+            <a:fillRect/>
+          </a:stretch>
+        </p:blipFill>
+        <p:spPr>
+          <a:xfrm>
+            <a:off x="1301067" y="1201970"/>
+            <a:ext cx="4221192" cy="2340379"/>
+          </a:xfrm>
+          <a:prstGeom prst="rect">
+            <a:avLst/>
+          </a:prstGeom>
+        </p:spPr>
+      </p:pic>
+      <p:pic>
+        <p:nvPicPr>
+          <p:cNvPr id="14" name="Picture 13">
+            <a:extLst>
+              <a:ext uri="{FF2B5EF4-FFF2-40B4-BE49-F238E27FC236}">
+                <a16:creationId xmlns:a16="http://schemas.microsoft.com/office/drawing/2014/main" id="{18649F84-504D-4CAC-AF53-83C7E00DB542}"/>
+              </a:ext>
+            </a:extLst>
+          </p:cNvPr>
+          <p:cNvPicPr>
+            <a:picLocks noChangeAspect="1"/>
+          </p:cNvPicPr>
+          <p:nvPr/>
+        </p:nvPicPr>
+        <p:blipFill>
+          <a:blip r:embed="rId3"/>
+          <a:stretch>
+            <a:fillRect/>
+          </a:stretch>
+        </p:blipFill>
+        <p:spPr>
+          <a:xfrm>
+            <a:off x="1291503" y="3626324"/>
+            <a:ext cx="4240320" cy="2340380"/>
+          </a:xfrm>
+          <a:prstGeom prst="rect">
+            <a:avLst/>
+          </a:prstGeom>
+        </p:spPr>
+      </p:pic>
+      <p:pic>
+        <p:nvPicPr>
+          <p:cNvPr id="25" name="Picture 24">
+            <a:extLst>
+              <a:ext uri="{FF2B5EF4-FFF2-40B4-BE49-F238E27FC236}">
+                <a16:creationId xmlns:a16="http://schemas.microsoft.com/office/drawing/2014/main" id="{F852AA48-A53A-4483-AAAC-8DA08E7B3C75}"/>
+              </a:ext>
+            </a:extLst>
+          </p:cNvPr>
+          <p:cNvPicPr>
+            <a:picLocks noChangeAspect="1"/>
+          </p:cNvPicPr>
+          <p:nvPr/>
+        </p:nvPicPr>
+        <p:blipFill>
+          <a:blip r:embed="rId4"/>
+          <a:stretch>
+            <a:fillRect/>
+          </a:stretch>
+        </p:blipFill>
+        <p:spPr>
+          <a:xfrm>
+            <a:off x="6251610" y="1201971"/>
+            <a:ext cx="4380529" cy="2321772"/>
+          </a:xfrm>
+          <a:prstGeom prst="rect">
+            <a:avLst/>
+          </a:prstGeom>
+        </p:spPr>
+      </p:pic>
+      <p:pic>
+        <p:nvPicPr>
+          <p:cNvPr id="27" name="Picture 26">
+            <a:extLst>
+              <a:ext uri="{FF2B5EF4-FFF2-40B4-BE49-F238E27FC236}">
+                <a16:creationId xmlns:a16="http://schemas.microsoft.com/office/drawing/2014/main" id="{FD6DC92E-7678-4FE5-BA1D-0C74317F3CB6}"/>
+              </a:ext>
+            </a:extLst>
+          </p:cNvPr>
+          <p:cNvPicPr>
+            <a:picLocks noChangeAspect="1"/>
+          </p:cNvPicPr>
+          <p:nvPr/>
+        </p:nvPicPr>
+        <p:blipFill>
+          <a:blip r:embed="rId5"/>
+          <a:stretch>
+            <a:fillRect/>
+          </a:stretch>
+        </p:blipFill>
+        <p:spPr>
+          <a:xfrm>
+            <a:off x="6251611" y="3621997"/>
+            <a:ext cx="4380530" cy="2368089"/>
+          </a:xfrm>
+          <a:prstGeom prst="rect">
+            <a:avLst/>
+          </a:prstGeom>
+        </p:spPr>
+      </p:pic>
+    </p:spTree>
+    <p:extLst>
+      <p:ext uri="{BB962C8B-B14F-4D97-AF65-F5344CB8AC3E}">
+        <p14:creationId xmlns:p14="http://schemas.microsoft.com/office/powerpoint/2010/main" val="1115932796"/>
+      </p:ext>
+    </p:extLst>
+  </p:cSld>
+  <p:clrMapOvr>
+    <a:masterClrMapping/>
+  </p:clrMapOvr>
+</p:sld>
+</file>
+
+<file path=ppt/slides/slide21.xml><?xml version="1.0" encoding="utf-8"?>
+<p:sld xmlns:a="http://schemas.openxmlformats.org/drawingml/2006/main" xmlns:r="http://schemas.openxmlformats.org/officeDocument/2006/relationships" xmlns:p="http://schemas.openxmlformats.org/presentationml/2006/main">
+  <p:cSld>
+    <p:spTree>
+      <p:nvGrpSpPr>
+        <p:cNvPr id="1" name=""/>
+        <p:cNvGrpSpPr/>
+        <p:nvPr/>
+      </p:nvGrpSpPr>
+      <p:grpSpPr>
+        <a:xfrm>
+          <a:off x="0" y="0"/>
+          <a:ext cx="0" cy="0"/>
+          <a:chOff x="0" y="0"/>
+          <a:chExt cx="0" cy="0"/>
+        </a:xfrm>
+      </p:grpSpPr>
+      <p:sp>
+        <p:nvSpPr>
+          <p:cNvPr id="12" name="Rectangle 11">
+            <a:extLst>
+              <a:ext uri="{FF2B5EF4-FFF2-40B4-BE49-F238E27FC236}">
+                <a16:creationId xmlns:a16="http://schemas.microsoft.com/office/drawing/2014/main" id="{782C19F5-7F14-415E-A4AC-60836DBB7B13}"/>
+              </a:ext>
+            </a:extLst>
+          </p:cNvPr>
+          <p:cNvSpPr/>
+          <p:nvPr/>
+        </p:nvSpPr>
+        <p:spPr>
+          <a:xfrm>
+            <a:off x="7708363" y="0"/>
+            <a:ext cx="2075543" cy="6858000"/>
+          </a:xfrm>
+          <a:prstGeom prst="rect">
+            <a:avLst/>
+          </a:prstGeom>
+          <a:ln>
+            <a:noFill/>
+          </a:ln>
+        </p:spPr>
+        <p:style>
+          <a:lnRef idx="2">
+            <a:schemeClr val="accent1">
+              <a:shade val="50000"/>
+            </a:schemeClr>
+          </a:lnRef>
+          <a:fillRef idx="1">
+            <a:schemeClr val="accent1"/>
+          </a:fillRef>
+          <a:effectRef idx="0">
+            <a:schemeClr val="accent1"/>
+          </a:effectRef>
+          <a:fontRef idx="minor">
+            <a:schemeClr val="lt1"/>
+          </a:fontRef>
+        </p:style>
+        <p:txBody>
+          <a:bodyPr rtlCol="0" anchor="ctr"/>
+          <a:lstStyle/>
+          <a:p>
+            <a:pPr algn="ctr"/>
+            <a:endParaRPr lang="en-ID" dirty="0"/>
+          </a:p>
+        </p:txBody>
+      </p:sp>
+      <p:sp>
+        <p:nvSpPr>
+          <p:cNvPr id="6" name="TextBox 5">
+            <a:extLst>
+              <a:ext uri="{FF2B5EF4-FFF2-40B4-BE49-F238E27FC236}">
+                <a16:creationId xmlns:a16="http://schemas.microsoft.com/office/drawing/2014/main" id="{DBDDE8D9-C9F4-4BAE-A9D0-C8E3FCEC8D4C}"/>
+              </a:ext>
+            </a:extLst>
+          </p:cNvPr>
+          <p:cNvSpPr txBox="1"/>
+          <p:nvPr/>
+        </p:nvSpPr>
+        <p:spPr>
+          <a:xfrm>
+            <a:off x="770140" y="2162456"/>
+            <a:ext cx="4507618" cy="923330"/>
+          </a:xfrm>
+          <a:prstGeom prst="rect">
+            <a:avLst/>
+          </a:prstGeom>
+          <a:noFill/>
+        </p:spPr>
+        <p:txBody>
+          <a:bodyPr wrap="square" rtlCol="0">
+            <a:spAutoFit/>
+          </a:bodyPr>
+          <a:lstStyle/>
+          <a:p>
+            <a:r>
+              <a:rPr lang="en-ID" sz="5400" dirty="0">
+                <a:solidFill>
+                  <a:schemeClr val="tx2"/>
+                </a:solidFill>
+                <a:latin typeface="Garamond" panose="02020404030301010803" pitchFamily="18" charset="0"/>
+                <a:ea typeface="Lato" panose="020F0502020204030203" pitchFamily="34" charset="0"/>
+                <a:cs typeface="Lato" panose="020F0502020204030203" pitchFamily="34" charset="0"/>
+              </a:rPr>
+              <a:t>Thank you!</a:t>
+            </a:r>
+          </a:p>
+        </p:txBody>
+      </p:sp>
+      <p:sp>
+        <p:nvSpPr>
+          <p:cNvPr id="7" name="Rectangle 6">
+            <a:extLst>
+              <a:ext uri="{FF2B5EF4-FFF2-40B4-BE49-F238E27FC236}">
+                <a16:creationId xmlns:a16="http://schemas.microsoft.com/office/drawing/2014/main" id="{6F18ABCB-134C-4BA1-BDB8-560E9EABD02B}"/>
+              </a:ext>
+            </a:extLst>
+          </p:cNvPr>
+          <p:cNvSpPr/>
+          <p:nvPr/>
+        </p:nvSpPr>
+        <p:spPr>
+          <a:xfrm>
+            <a:off x="758609" y="3244334"/>
+            <a:ext cx="3279841" cy="369332"/>
+          </a:xfrm>
+          <a:prstGeom prst="rect">
+            <a:avLst/>
+          </a:prstGeom>
+        </p:spPr>
+        <p:txBody>
+          <a:bodyPr wrap="square">
+            <a:spAutoFit/>
+          </a:bodyPr>
+          <a:lstStyle/>
+          <a:p>
+            <a:r>
+              <a:rPr lang="en-ID" dirty="0">
+                <a:solidFill>
+                  <a:schemeClr val="tx2"/>
+                </a:solidFill>
+                <a:latin typeface="Garamond" panose="02020404030301010803" pitchFamily="18" charset="0"/>
+                <a:ea typeface="Lato Black" panose="020F0502020204030203" pitchFamily="34" charset="0"/>
+                <a:cs typeface="Lato Black" panose="020F0502020204030203" pitchFamily="34" charset="0"/>
+              </a:rPr>
+              <a:t>Any questions or comments?</a:t>
+            </a:r>
+          </a:p>
+        </p:txBody>
+      </p:sp>
+      <p:sp>
+        <p:nvSpPr>
+          <p:cNvPr id="8" name="Rectangle 7">
+            <a:extLst>
+              <a:ext uri="{FF2B5EF4-FFF2-40B4-BE49-F238E27FC236}">
+                <a16:creationId xmlns:a16="http://schemas.microsoft.com/office/drawing/2014/main" id="{ACB1B91D-6AD0-4C11-87C4-8F854702A238}"/>
+              </a:ext>
+            </a:extLst>
+          </p:cNvPr>
+          <p:cNvSpPr/>
+          <p:nvPr/>
+        </p:nvSpPr>
+        <p:spPr>
+          <a:xfrm>
+            <a:off x="758609" y="4213474"/>
+            <a:ext cx="5467093" cy="1292662"/>
+          </a:xfrm>
+          <a:prstGeom prst="rect">
+            <a:avLst/>
+          </a:prstGeom>
+        </p:spPr>
+        <p:txBody>
+          <a:bodyPr wrap="square">
+            <a:spAutoFit/>
+          </a:bodyPr>
+          <a:lstStyle/>
+          <a:p>
+            <a:pPr algn="just"/>
+            <a:r>
+              <a:rPr lang="en-ID" sz="1300" dirty="0">
+                <a:solidFill>
+                  <a:schemeClr val="tx2"/>
+                </a:solidFill>
+                <a:latin typeface="Lato "/>
+                <a:ea typeface="Lato Black" panose="020F0502020204030203" pitchFamily="34" charset="0"/>
+                <a:cs typeface="Lato Black" panose="020F0502020204030203" pitchFamily="34" charset="0"/>
+              </a:rPr>
+              <a:t>Author Contact Information</a:t>
+            </a:r>
+          </a:p>
+          <a:p>
+            <a:pPr marL="171450" indent="-171450" algn="just">
+              <a:buFont typeface="Arial" panose="020B0604020202020204" pitchFamily="34" charset="0"/>
+              <a:buChar char="•"/>
+            </a:pPr>
+            <a:r>
+              <a:rPr lang="en-ID" sz="1300" dirty="0">
+                <a:solidFill>
+                  <a:schemeClr val="tx2"/>
+                </a:solidFill>
+                <a:latin typeface="Lato "/>
+                <a:ea typeface="Lato Black" panose="020F0502020204030203" pitchFamily="34" charset="0"/>
+                <a:cs typeface="Lato Black" panose="020F0502020204030203" pitchFamily="34" charset="0"/>
+              </a:rPr>
+              <a:t>LinkedIn: </a:t>
+            </a:r>
+            <a:r>
+              <a:rPr lang="en-ID" sz="1300" dirty="0">
+                <a:solidFill>
+                  <a:schemeClr val="tx2"/>
+                </a:solidFill>
+                <a:latin typeface="Lato "/>
+                <a:ea typeface="Lato Black" panose="020F0502020204030203" pitchFamily="34" charset="0"/>
+                <a:cs typeface="Lato Black" panose="020F0502020204030203" pitchFamily="34" charset="0"/>
+                <a:hlinkClick r:id="rId2"/>
+              </a:rPr>
+              <a:t>https://www.linkedin.com/in/williamjeongwoohan/</a:t>
+            </a:r>
+            <a:endParaRPr lang="en-ID" sz="1300" dirty="0">
+              <a:solidFill>
+                <a:schemeClr val="tx2"/>
+              </a:solidFill>
+              <a:latin typeface="Lato "/>
+              <a:ea typeface="Lato Black" panose="020F0502020204030203" pitchFamily="34" charset="0"/>
+              <a:cs typeface="Lato Black" panose="020F0502020204030203" pitchFamily="34" charset="0"/>
+            </a:endParaRPr>
+          </a:p>
+          <a:p>
+            <a:pPr marL="171450" indent="-171450" algn="just">
+              <a:buFont typeface="Arial" panose="020B0604020202020204" pitchFamily="34" charset="0"/>
+              <a:buChar char="•"/>
+            </a:pPr>
+            <a:r>
+              <a:rPr lang="en-ID" sz="1300" dirty="0">
+                <a:solidFill>
+                  <a:schemeClr val="tx2"/>
+                </a:solidFill>
+                <a:latin typeface="Lato "/>
+                <a:ea typeface="Lato Black" panose="020F0502020204030203" pitchFamily="34" charset="0"/>
+                <a:cs typeface="Lato Black" panose="020F0502020204030203" pitchFamily="34" charset="0"/>
+              </a:rPr>
+              <a:t>GitHub: </a:t>
+            </a:r>
+            <a:r>
+              <a:rPr lang="en-ID" sz="1300" dirty="0">
+                <a:solidFill>
+                  <a:schemeClr val="tx2"/>
+                </a:solidFill>
+                <a:latin typeface="Lato "/>
+                <a:ea typeface="Lato Black" panose="020F0502020204030203" pitchFamily="34" charset="0"/>
+                <a:cs typeface="Lato Black" panose="020F0502020204030203" pitchFamily="34" charset="0"/>
+                <a:hlinkClick r:id="rId3"/>
+              </a:rPr>
+              <a:t>https://github.com/WilliamJHan</a:t>
+            </a:r>
+            <a:endParaRPr lang="en-ID" sz="1300" dirty="0">
+              <a:solidFill>
+                <a:schemeClr val="tx2"/>
+              </a:solidFill>
+              <a:latin typeface="Lato "/>
+              <a:ea typeface="Lato Black" panose="020F0502020204030203" pitchFamily="34" charset="0"/>
+              <a:cs typeface="Lato Black" panose="020F0502020204030203" pitchFamily="34" charset="0"/>
+            </a:endParaRPr>
+          </a:p>
+          <a:p>
+            <a:pPr marL="171450" indent="-171450" algn="just">
+              <a:buFont typeface="Arial" panose="020B0604020202020204" pitchFamily="34" charset="0"/>
+              <a:buChar char="•"/>
+            </a:pPr>
+            <a:r>
+              <a:rPr lang="en-ID" sz="1300" dirty="0">
+                <a:solidFill>
+                  <a:schemeClr val="tx2"/>
+                </a:solidFill>
+                <a:latin typeface="Lato "/>
+                <a:ea typeface="Lato Black" panose="020F0502020204030203" pitchFamily="34" charset="0"/>
+                <a:cs typeface="Lato Black" panose="020F0502020204030203" pitchFamily="34" charset="0"/>
+              </a:rPr>
+              <a:t>Email: william.jeongwoo.han@gmail.com</a:t>
+            </a:r>
+          </a:p>
+          <a:p>
+            <a:pPr marL="171450" indent="-171450" algn="just">
+              <a:buFont typeface="Arial" panose="020B0604020202020204" pitchFamily="34" charset="0"/>
+              <a:buChar char="•"/>
+            </a:pPr>
+            <a:endParaRPr lang="en-ID" sz="1500" dirty="0">
+              <a:solidFill>
+                <a:schemeClr val="tx2"/>
+              </a:solidFill>
+              <a:latin typeface="Lato "/>
+              <a:ea typeface="Lato Black" panose="020F0502020204030203" pitchFamily="34" charset="0"/>
+              <a:cs typeface="Lato Black" panose="020F0502020204030203" pitchFamily="34" charset="0"/>
+            </a:endParaRPr>
+          </a:p>
+          <a:p>
+            <a:pPr algn="just"/>
+            <a:endParaRPr lang="en-ID" sz="1100" dirty="0">
+              <a:solidFill>
+                <a:schemeClr val="tx2"/>
+              </a:solidFill>
+              <a:latin typeface="Lato "/>
+              <a:ea typeface="Lato Black" panose="020F0502020204030203" pitchFamily="34" charset="0"/>
+              <a:cs typeface="Lato Black" panose="020F0502020204030203" pitchFamily="34" charset="0"/>
+            </a:endParaRPr>
+          </a:p>
+        </p:txBody>
+      </p:sp>
+    </p:spTree>
+    <p:extLst>
+      <p:ext uri="{BB962C8B-B14F-4D97-AF65-F5344CB8AC3E}">
+        <p14:creationId xmlns:p14="http://schemas.microsoft.com/office/powerpoint/2010/main" val="39737859"/>
+      </p:ext>
+    </p:extLst>
+  </p:cSld>
+  <p:clrMapOvr>
+    <a:masterClrMapping/>
+  </p:clrMapOvr>
+</p:sld>
+</file>
+
 <file path=ppt/slides/slide3.xml><?xml version="1.0" encoding="utf-8"?>
 <p:sld xmlns:a="http://schemas.openxmlformats.org/drawingml/2006/main" xmlns:r="http://schemas.openxmlformats.org/officeDocument/2006/relationships" xmlns:p="http://schemas.openxmlformats.org/presentationml/2006/main">
   <p:cSld>
@@ -21812,7 +24078,7 @@
                 <a:ea typeface="Lato Black" panose="020F0502020204030203" pitchFamily="34" charset="0"/>
                 <a:cs typeface="Lato Black" panose="020F0502020204030203" pitchFamily="34" charset="0"/>
               </a:rPr>
-              <a:t>Average across all ratings</a:t>
+              <a:t>Average rating (out of 5)</a:t>
             </a:r>
           </a:p>
           <a:p>
@@ -22829,7 +25095,7 @@
                 <a:cs typeface="Lato Black" panose="020F0502020204030203" pitchFamily="34" charset="0"/>
                 <a:sym typeface="Wingdings" panose="05000000000000000000" pitchFamily="2" charset="2"/>
               </a:rPr>
-              <a:t>Main focus: wine with good rating (above 4.0) that are cheaper (under $200)</a:t>
+              <a:t>Main focus: wine with good rating (greater than 4.5) that are cheaper (under $100)</a:t>
             </a:r>
             <a:endParaRPr lang="en-ID" sz="1500" dirty="0">
               <a:latin typeface="Lato "/>
@@ -22888,10 +25154,10 @@
       </p:pic>
       <p:pic>
         <p:nvPicPr>
-          <p:cNvPr id="631" name="Picture 630" descr="Chart, scatter chart&#10;&#10;Description automatically generated">
+          <p:cNvPr id="9" name="Picture 8" descr="Chart, scatter chart&#10;&#10;Description automatically generated">
             <a:extLst>
               <a:ext uri="{FF2B5EF4-FFF2-40B4-BE49-F238E27FC236}">
-                <a16:creationId xmlns:a16="http://schemas.microsoft.com/office/drawing/2014/main" id="{6F03B4EB-07EF-4708-9C85-6697D64B198C}"/>
+                <a16:creationId xmlns:a16="http://schemas.microsoft.com/office/drawing/2014/main" id="{29545971-462E-4BC6-8E60-E665DF8EFDF8}"/>
               </a:ext>
             </a:extLst>
           </p:cNvPr>
@@ -22914,8 +25180,8 @@
         </p:blipFill>
         <p:spPr>
           <a:xfrm>
-            <a:off x="327354" y="1589593"/>
-            <a:ext cx="5768645" cy="4241215"/>
+            <a:off x="324590" y="1589594"/>
+            <a:ext cx="5678192" cy="4174712"/>
           </a:xfrm>
           <a:prstGeom prst="rect">
             <a:avLst/>
@@ -23380,7 +25646,7 @@
         <p:spPr>
           <a:xfrm>
             <a:off x="8756187" y="1231867"/>
-            <a:ext cx="2764348" cy="1774845"/>
+            <a:ext cx="2764348" cy="1249060"/>
           </a:xfrm>
           <a:prstGeom prst="rect">
             <a:avLst/>
@@ -23425,23 +25691,6 @@
             </a:r>
           </a:p>
           <a:p>
-            <a:pPr marL="171450" indent="-171450">
-              <a:spcAft>
-                <a:spcPts val="500"/>
-              </a:spcAft>
-              <a:buFont typeface="Arial" panose="020B0604020202020204" pitchFamily="34" charset="0"/>
-              <a:buChar char="•"/>
-            </a:pPr>
-            <a:r>
-              <a:rPr lang="en-ID" sz="1500" dirty="0">
-                <a:latin typeface="Lato "/>
-                <a:ea typeface="Lato Black" panose="020F0502020204030203" pitchFamily="34" charset="0"/>
-                <a:cs typeface="Lato Black" panose="020F0502020204030203" pitchFamily="34" charset="0"/>
-              </a:rPr>
-              <a:t>Eight countries (up to Chile) have more than 1,000 wines.</a:t>
-            </a:r>
-          </a:p>
-          <a:p>
             <a:pPr algn="just"/>
             <a:endParaRPr lang="en-ID" sz="1100" dirty="0">
               <a:solidFill>
@@ -23456,10 +25705,10 @@
       </p:sp>
       <p:pic>
         <p:nvPicPr>
-          <p:cNvPr id="4" name="Picture 3" descr="Chart, box and whisker chart&#10;&#10;Description automatically generated">
+          <p:cNvPr id="3" name="Picture 2" descr="Chart, box and whisker chart&#10;&#10;Description automatically generated">
             <a:extLst>
               <a:ext uri="{FF2B5EF4-FFF2-40B4-BE49-F238E27FC236}">
-                <a16:creationId xmlns:a16="http://schemas.microsoft.com/office/drawing/2014/main" id="{BCA6C1E7-5A55-4326-97C3-B0EF18ACBFDA}"/>
+                <a16:creationId xmlns:a16="http://schemas.microsoft.com/office/drawing/2014/main" id="{7D2BA991-5D94-441E-BD2A-CA55B4B0488C}"/>
               </a:ext>
             </a:extLst>
           </p:cNvPr>
@@ -23482,8 +25731,8 @@
         </p:blipFill>
         <p:spPr>
           <a:xfrm>
-            <a:off x="327354" y="1593310"/>
-            <a:ext cx="6657105" cy="5054206"/>
+            <a:off x="327353" y="1593310"/>
+            <a:ext cx="6613281" cy="5076054"/>
           </a:xfrm>
           <a:prstGeom prst="rect">
             <a:avLst/>
@@ -23492,10 +25741,10 @@
       </p:pic>
       <p:pic>
         <p:nvPicPr>
-          <p:cNvPr id="6" name="Picture 5" descr="Chart, bar chart&#10;&#10;Description automatically generated">
+          <p:cNvPr id="7" name="Picture 6" descr="Chart, bar chart&#10;&#10;Description automatically generated">
             <a:extLst>
               <a:ext uri="{FF2B5EF4-FFF2-40B4-BE49-F238E27FC236}">
-                <a16:creationId xmlns:a16="http://schemas.microsoft.com/office/drawing/2014/main" id="{86EFA8F2-619A-4EB5-BB1D-681A8D348F57}"/>
+                <a16:creationId xmlns:a16="http://schemas.microsoft.com/office/drawing/2014/main" id="{B8DB16AC-CC8B-4B9A-AF30-5FF2AA54739A}"/>
               </a:ext>
             </a:extLst>
           </p:cNvPr>
@@ -23518,8 +25767,8 @@
         </p:blipFill>
         <p:spPr>
           <a:xfrm>
-            <a:off x="7600985" y="2837908"/>
-            <a:ext cx="4263661" cy="3809608"/>
+            <a:off x="7575257" y="2814918"/>
+            <a:ext cx="4289389" cy="3832597"/>
           </a:xfrm>
           <a:prstGeom prst="rect">
             <a:avLst/>
@@ -23708,7 +25957,7 @@
         <p:spPr>
           <a:xfrm>
             <a:off x="8756187" y="1231867"/>
-            <a:ext cx="2764348" cy="1774845"/>
+            <a:ext cx="2764348" cy="784830"/>
           </a:xfrm>
           <a:prstGeom prst="rect">
             <a:avLst/>
@@ -23749,45 +25998,17 @@
                 <a:ea typeface="Lato Black" panose="020F0502020204030203" pitchFamily="34" charset="0"/>
                 <a:cs typeface="Lato Black" panose="020F0502020204030203" pitchFamily="34" charset="0"/>
               </a:rPr>
-              <a:t> quartile price of wine in United States, France, and Italy are much higher than other countries.</a:t>
+              <a:t> quartile rating of wine in United States is the highest.</a:t>
             </a:r>
-          </a:p>
-          <a:p>
-            <a:pPr marL="171450" indent="-171450">
-              <a:spcAft>
-                <a:spcPts val="500"/>
-              </a:spcAft>
-              <a:buFont typeface="Arial" panose="020B0604020202020204" pitchFamily="34" charset="0"/>
-              <a:buChar char="•"/>
-            </a:pPr>
-            <a:r>
-              <a:rPr lang="en-ID" sz="1500" dirty="0">
-                <a:latin typeface="Lato "/>
-                <a:ea typeface="Lato Black" panose="020F0502020204030203" pitchFamily="34" charset="0"/>
-                <a:cs typeface="Lato Black" panose="020F0502020204030203" pitchFamily="34" charset="0"/>
-              </a:rPr>
-              <a:t>Eight countries (up to Chile) have more than 1,000 wines.</a:t>
-            </a:r>
-          </a:p>
-          <a:p>
-            <a:pPr algn="just"/>
-            <a:endParaRPr lang="en-ID" sz="1100" dirty="0">
-              <a:solidFill>
-                <a:schemeClr val="bg2"/>
-              </a:solidFill>
-              <a:latin typeface="Lato "/>
-              <a:ea typeface="Lato Black" panose="020F0502020204030203" pitchFamily="34" charset="0"/>
-              <a:cs typeface="Lato Black" panose="020F0502020204030203" pitchFamily="34" charset="0"/>
-            </a:endParaRPr>
           </a:p>
         </p:txBody>
       </p:sp>
       <p:pic>
         <p:nvPicPr>
-          <p:cNvPr id="9" name="Picture 8" descr="Chart, box and whisker chart&#10;&#10;Description automatically generated">
+          <p:cNvPr id="11" name="Picture 10" descr="Chart, bar chart&#10;&#10;Description automatically generated">
             <a:extLst>
               <a:ext uri="{FF2B5EF4-FFF2-40B4-BE49-F238E27FC236}">
-                <a16:creationId xmlns:a16="http://schemas.microsoft.com/office/drawing/2014/main" id="{F22AD1A7-B3DD-4E44-BCBD-FE3D0592BCD6}"/>
+                <a16:creationId xmlns:a16="http://schemas.microsoft.com/office/drawing/2014/main" id="{04585CD4-019A-45EA-BFA2-5541C27A3539}"/>
               </a:ext>
             </a:extLst>
           </p:cNvPr>
@@ -23810,8 +26031,8 @@
         </p:blipFill>
         <p:spPr>
           <a:xfrm>
-            <a:off x="336815" y="1593310"/>
-            <a:ext cx="6618461" cy="5019214"/>
+            <a:off x="7597302" y="2847198"/>
+            <a:ext cx="4257883" cy="3765326"/>
           </a:xfrm>
           <a:prstGeom prst="rect">
             <a:avLst/>
@@ -23820,10 +26041,10 @@
       </p:pic>
       <p:pic>
         <p:nvPicPr>
-          <p:cNvPr id="11" name="Picture 10" descr="Chart, bar chart&#10;&#10;Description automatically generated">
+          <p:cNvPr id="3" name="Picture 2" descr="Chart, box and whisker chart&#10;&#10;Description automatically generated">
             <a:extLst>
               <a:ext uri="{FF2B5EF4-FFF2-40B4-BE49-F238E27FC236}">
-                <a16:creationId xmlns:a16="http://schemas.microsoft.com/office/drawing/2014/main" id="{04585CD4-019A-45EA-BFA2-5541C27A3539}"/>
+                <a16:creationId xmlns:a16="http://schemas.microsoft.com/office/drawing/2014/main" id="{DE89457D-811E-4B24-A40E-4A43871AB5A2}"/>
               </a:ext>
             </a:extLst>
           </p:cNvPr>
@@ -23846,8 +26067,8 @@
         </p:blipFill>
         <p:spPr>
           <a:xfrm>
-            <a:off x="7597302" y="2847198"/>
-            <a:ext cx="4257883" cy="3765326"/>
+            <a:off x="336815" y="1593310"/>
+            <a:ext cx="6619797" cy="5019214"/>
           </a:xfrm>
           <a:prstGeom prst="rect">
             <a:avLst/>
@@ -23995,7 +26216,7 @@
         <p:spPr>
           <a:xfrm>
             <a:off x="327355" y="993340"/>
-            <a:ext cx="2970322" cy="477054"/>
+            <a:ext cx="2648927" cy="477054"/>
           </a:xfrm>
           <a:prstGeom prst="rect">
             <a:avLst/>
@@ -24016,7 +26237,7 @@
                 <a:ea typeface="Lato Black" panose="020F0502020204030203" pitchFamily="34" charset="0"/>
                 <a:cs typeface="Lato Black" panose="020F0502020204030203" pitchFamily="34" charset="0"/>
               </a:rPr>
-              <a:t>Light-Bold Note</a:t>
+              <a:t>Best Value Wines</a:t>
             </a:r>
           </a:p>
         </p:txBody>
@@ -24035,8 +26256,8 @@
         </p:nvSpPr>
         <p:spPr>
           <a:xfrm>
-            <a:off x="8756187" y="1231867"/>
-            <a:ext cx="2764348" cy="553998"/>
+            <a:off x="8689785" y="1593310"/>
+            <a:ext cx="2764348" cy="1249060"/>
           </a:xfrm>
           <a:prstGeom prst="rect">
             <a:avLst/>
@@ -24061,17 +26282,28 @@
                 <a:ea typeface="Lato Black" panose="020F0502020204030203" pitchFamily="34" charset="0"/>
                 <a:cs typeface="Lato Black" panose="020F0502020204030203" pitchFamily="34" charset="0"/>
               </a:rPr>
-              <a:t>There are a lot more wine that are bold.</a:t>
+              <a:t>United States seem to be dominating in the best value wine that are under $100 and have over 4.5 rating.</a:t>
             </a:r>
+          </a:p>
+          <a:p>
+            <a:pPr algn="just"/>
+            <a:endParaRPr lang="en-ID" sz="1100" dirty="0">
+              <a:solidFill>
+                <a:schemeClr val="bg2"/>
+              </a:solidFill>
+              <a:latin typeface="Lato "/>
+              <a:ea typeface="Lato Black" panose="020F0502020204030203" pitchFamily="34" charset="0"/>
+              <a:cs typeface="Lato Black" panose="020F0502020204030203" pitchFamily="34" charset="0"/>
+            </a:endParaRPr>
           </a:p>
         </p:txBody>
       </p:sp>
       <p:pic>
         <p:nvPicPr>
-          <p:cNvPr id="3" name="Picture 2" descr="Chart, scatter chart&#10;&#10;Description automatically generated">
+          <p:cNvPr id="6" name="Picture 5">
             <a:extLst>
               <a:ext uri="{FF2B5EF4-FFF2-40B4-BE49-F238E27FC236}">
-                <a16:creationId xmlns:a16="http://schemas.microsoft.com/office/drawing/2014/main" id="{58C2E8A5-A23D-4133-8629-0AA01181B7F7}"/>
+                <a16:creationId xmlns:a16="http://schemas.microsoft.com/office/drawing/2014/main" id="{45C81EDD-A3F5-4191-A6C4-1762CEEC73FB}"/>
               </a:ext>
             </a:extLst>
           </p:cNvPr>
@@ -24081,21 +26313,15 @@
           <p:nvPr/>
         </p:nvPicPr>
         <p:blipFill>
-          <a:blip r:embed="rId2">
-            <a:extLst>
-              <a:ext uri="{28A0092B-C50C-407E-A947-70E740481C1C}">
-                <a14:useLocalDpi xmlns:a14="http://schemas.microsoft.com/office/drawing/2010/main" val="0"/>
-              </a:ext>
-            </a:extLst>
-          </a:blip>
+          <a:blip r:embed="rId2"/>
           <a:stretch>
             <a:fillRect/>
           </a:stretch>
         </p:blipFill>
         <p:spPr>
           <a:xfrm>
-            <a:off x="327354" y="1470395"/>
-            <a:ext cx="6101842" cy="5177122"/>
+            <a:off x="9106967" y="3365571"/>
+            <a:ext cx="2027211" cy="2624978"/>
           </a:xfrm>
           <a:prstGeom prst="rect">
             <a:avLst/>
@@ -24104,10 +26330,10 @@
       </p:pic>
       <p:pic>
         <p:nvPicPr>
-          <p:cNvPr id="7" name="Picture 6" descr="Chart, scatter chart&#10;&#10;Description automatically generated">
+          <p:cNvPr id="8" name="Picture 7" descr="Chart, scatter chart&#10;&#10;Description automatically generated">
             <a:extLst>
               <a:ext uri="{FF2B5EF4-FFF2-40B4-BE49-F238E27FC236}">
-                <a16:creationId xmlns:a16="http://schemas.microsoft.com/office/drawing/2014/main" id="{9CC4C3B0-3A7B-4BF3-A3B2-61801639D54A}"/>
+                <a16:creationId xmlns:a16="http://schemas.microsoft.com/office/drawing/2014/main" id="{B0BCE6C1-479F-461A-BC98-DA95D8AE036B}"/>
               </a:ext>
             </a:extLst>
           </p:cNvPr>
@@ -24130,8 +26356,8 @@
         </p:blipFill>
         <p:spPr>
           <a:xfrm>
-            <a:off x="6975757" y="3015770"/>
-            <a:ext cx="4888889" cy="3631746"/>
+            <a:off x="427485" y="1613126"/>
+            <a:ext cx="7714566" cy="4377710"/>
           </a:xfrm>
           <a:prstGeom prst="rect">
             <a:avLst/>
@@ -24141,7 +26367,7 @@
     </p:spTree>
     <p:extLst>
       <p:ext uri="{BB962C8B-B14F-4D97-AF65-F5344CB8AC3E}">
-        <p14:creationId xmlns:p14="http://schemas.microsoft.com/office/powerpoint/2010/main" val="2818250913"/>
+        <p14:creationId xmlns:p14="http://schemas.microsoft.com/office/powerpoint/2010/main" val="823858611"/>
       </p:ext>
     </p:extLst>
   </p:cSld>

--- a/Vivino_Presentation.pptx
+++ b/Vivino_Presentation.pptx
@@ -235,7 +235,7 @@
           <a:p>
             <a:fld id="{306B5594-B9FA-45DD-AE77-2DE8B02D3524}" type="datetimeFigureOut">
               <a:rPr lang="en-ID" smtClean="0"/>
-              <a:t>13/05/2021</a:t>
+              <a:t>21/05/2021</a:t>
             </a:fld>
             <a:endParaRPr lang="en-ID"/>
           </a:p>
@@ -412,7 +412,7 @@
           <a:p>
             <a:fld id="{27CBB685-20D4-4B48-A3F7-FA349DAE514C}" type="datetimeFigureOut">
               <a:rPr lang="en-ID" smtClean="0"/>
-              <a:t>13/05/2021</a:t>
+              <a:t>21/05/2021</a:t>
             </a:fld>
             <a:endParaRPr lang="en-ID"/>
           </a:p>
